--- a/uml/motala.pptx
+++ b/uml/motala.pptx
@@ -28,6 +28,9 @@
     <p:sldId id="274" r:id="rId22"/>
     <p:sldId id="281" r:id="rId23"/>
     <p:sldId id="275" r:id="rId24"/>
+    <p:sldId id="290" r:id="rId25"/>
+    <p:sldId id="291" r:id="rId26"/>
+    <p:sldId id="292" r:id="rId27"/>
   </p:sldIdLst>
   <p:sldSz cx="12192000" cy="6858000"/>
   <p:notesSz cx="6858000" cy="9144000"/>
@@ -281,7 +284,7 @@
           <a:p>
             <a:fld id="{DC79B404-22F3-4B9F-9621-50C3DE54EA1B}" type="datetimeFigureOut">
               <a:rPr lang="sv-SE" smtClean="0"/>
-              <a:t>2019-05-19</a:t>
+              <a:t>2019-05-20</a:t>
             </a:fld>
             <a:endParaRPr lang="sv-SE"/>
           </a:p>
@@ -479,7 +482,7 @@
           <a:p>
             <a:fld id="{DC79B404-22F3-4B9F-9621-50C3DE54EA1B}" type="datetimeFigureOut">
               <a:rPr lang="sv-SE" smtClean="0"/>
-              <a:t>2019-05-19</a:t>
+              <a:t>2019-05-20</a:t>
             </a:fld>
             <a:endParaRPr lang="sv-SE"/>
           </a:p>
@@ -687,7 +690,7 @@
           <a:p>
             <a:fld id="{DC79B404-22F3-4B9F-9621-50C3DE54EA1B}" type="datetimeFigureOut">
               <a:rPr lang="sv-SE" smtClean="0"/>
-              <a:t>2019-05-19</a:t>
+              <a:t>2019-05-20</a:t>
             </a:fld>
             <a:endParaRPr lang="sv-SE"/>
           </a:p>
@@ -885,7 +888,7 @@
           <a:p>
             <a:fld id="{DC79B404-22F3-4B9F-9621-50C3DE54EA1B}" type="datetimeFigureOut">
               <a:rPr lang="sv-SE" smtClean="0"/>
-              <a:t>2019-05-19</a:t>
+              <a:t>2019-05-20</a:t>
             </a:fld>
             <a:endParaRPr lang="sv-SE"/>
           </a:p>
@@ -1160,7 +1163,7 @@
           <a:p>
             <a:fld id="{DC79B404-22F3-4B9F-9621-50C3DE54EA1B}" type="datetimeFigureOut">
               <a:rPr lang="sv-SE" smtClean="0"/>
-              <a:t>2019-05-19</a:t>
+              <a:t>2019-05-20</a:t>
             </a:fld>
             <a:endParaRPr lang="sv-SE"/>
           </a:p>
@@ -1425,7 +1428,7 @@
           <a:p>
             <a:fld id="{DC79B404-22F3-4B9F-9621-50C3DE54EA1B}" type="datetimeFigureOut">
               <a:rPr lang="sv-SE" smtClean="0"/>
-              <a:t>2019-05-19</a:t>
+              <a:t>2019-05-20</a:t>
             </a:fld>
             <a:endParaRPr lang="sv-SE"/>
           </a:p>
@@ -1837,7 +1840,7 @@
           <a:p>
             <a:fld id="{DC79B404-22F3-4B9F-9621-50C3DE54EA1B}" type="datetimeFigureOut">
               <a:rPr lang="sv-SE" smtClean="0"/>
-              <a:t>2019-05-19</a:t>
+              <a:t>2019-05-20</a:t>
             </a:fld>
             <a:endParaRPr lang="sv-SE"/>
           </a:p>
@@ -1978,7 +1981,7 @@
           <a:p>
             <a:fld id="{DC79B404-22F3-4B9F-9621-50C3DE54EA1B}" type="datetimeFigureOut">
               <a:rPr lang="sv-SE" smtClean="0"/>
-              <a:t>2019-05-19</a:t>
+              <a:t>2019-05-20</a:t>
             </a:fld>
             <a:endParaRPr lang="sv-SE"/>
           </a:p>
@@ -2091,7 +2094,7 @@
           <a:p>
             <a:fld id="{DC79B404-22F3-4B9F-9621-50C3DE54EA1B}" type="datetimeFigureOut">
               <a:rPr lang="sv-SE" smtClean="0"/>
-              <a:t>2019-05-19</a:t>
+              <a:t>2019-05-20</a:t>
             </a:fld>
             <a:endParaRPr lang="sv-SE"/>
           </a:p>
@@ -2402,7 +2405,7 @@
           <a:p>
             <a:fld id="{DC79B404-22F3-4B9F-9621-50C3DE54EA1B}" type="datetimeFigureOut">
               <a:rPr lang="sv-SE" smtClean="0"/>
-              <a:t>2019-05-19</a:t>
+              <a:t>2019-05-20</a:t>
             </a:fld>
             <a:endParaRPr lang="sv-SE"/>
           </a:p>
@@ -2690,7 +2693,7 @@
           <a:p>
             <a:fld id="{DC79B404-22F3-4B9F-9621-50C3DE54EA1B}" type="datetimeFigureOut">
               <a:rPr lang="sv-SE" smtClean="0"/>
-              <a:t>2019-05-19</a:t>
+              <a:t>2019-05-20</a:t>
             </a:fld>
             <a:endParaRPr lang="sv-SE"/>
           </a:p>
@@ -2931,7 +2934,7 @@
           <a:p>
             <a:fld id="{DC79B404-22F3-4B9F-9621-50C3DE54EA1B}" type="datetimeFigureOut">
               <a:rPr lang="sv-SE" smtClean="0"/>
-              <a:t>2019-05-19</a:t>
+              <a:t>2019-05-20</a:t>
             </a:fld>
             <a:endParaRPr lang="sv-SE"/>
           </a:p>
@@ -5392,6 +5395,3235 @@
 </p:sld>
 </file>
 
+<file path=ppt/slides/slide24.xml><?xml version="1.0" encoding="utf-8"?>
+<p:sld xmlns:a="http://schemas.openxmlformats.org/drawingml/2006/main" xmlns:r="http://schemas.openxmlformats.org/officeDocument/2006/relationships" xmlns:p="http://schemas.openxmlformats.org/presentationml/2006/main">
+  <p:cSld>
+    <p:spTree>
+      <p:nvGrpSpPr>
+        <p:cNvPr id="1" name=""/>
+        <p:cNvGrpSpPr/>
+        <p:nvPr/>
+      </p:nvGrpSpPr>
+      <p:grpSpPr>
+        <a:xfrm>
+          <a:off x="0" y="0"/>
+          <a:ext cx="0" cy="0"/>
+          <a:chOff x="0" y="0"/>
+          <a:chExt cx="0" cy="0"/>
+        </a:xfrm>
+      </p:grpSpPr>
+      <p:cxnSp>
+        <p:nvCxnSpPr>
+          <p:cNvPr id="6" name="Rak koppling 5">
+            <a:extLst>
+              <a:ext uri="{FF2B5EF4-FFF2-40B4-BE49-F238E27FC236}">
+                <a16:creationId xmlns:a16="http://schemas.microsoft.com/office/drawing/2014/main" id="{21E81BBD-AF25-43BE-BCEB-F1336EB77031}"/>
+              </a:ext>
+            </a:extLst>
+          </p:cNvPr>
+          <p:cNvCxnSpPr>
+            <a:cxnSpLocks/>
+          </p:cNvCxnSpPr>
+          <p:nvPr/>
+        </p:nvCxnSpPr>
+        <p:spPr>
+          <a:xfrm>
+            <a:off x="2345635" y="1948069"/>
+            <a:ext cx="6983895" cy="0"/>
+          </a:xfrm>
+          <a:prstGeom prst="line">
+            <a:avLst/>
+          </a:prstGeom>
+        </p:spPr>
+        <p:style>
+          <a:lnRef idx="1">
+            <a:schemeClr val="accent1"/>
+          </a:lnRef>
+          <a:fillRef idx="0">
+            <a:schemeClr val="accent1"/>
+          </a:fillRef>
+          <a:effectRef idx="0">
+            <a:schemeClr val="accent1"/>
+          </a:effectRef>
+          <a:fontRef idx="minor">
+            <a:schemeClr val="tx1"/>
+          </a:fontRef>
+        </p:style>
+      </p:cxnSp>
+      <p:cxnSp>
+        <p:nvCxnSpPr>
+          <p:cNvPr id="12" name="Rak koppling 11">
+            <a:extLst>
+              <a:ext uri="{FF2B5EF4-FFF2-40B4-BE49-F238E27FC236}">
+                <a16:creationId xmlns:a16="http://schemas.microsoft.com/office/drawing/2014/main" id="{BDD7C5CA-FEDC-401F-A22B-5ED27E8E24A7}"/>
+              </a:ext>
+            </a:extLst>
+          </p:cNvPr>
+          <p:cNvCxnSpPr>
+            <a:cxnSpLocks/>
+          </p:cNvCxnSpPr>
+          <p:nvPr/>
+        </p:nvCxnSpPr>
+        <p:spPr>
+          <a:xfrm>
+            <a:off x="2345635" y="3120887"/>
+            <a:ext cx="6983895" cy="0"/>
+          </a:xfrm>
+          <a:prstGeom prst="line">
+            <a:avLst/>
+          </a:prstGeom>
+        </p:spPr>
+        <p:style>
+          <a:lnRef idx="1">
+            <a:schemeClr val="accent1"/>
+          </a:lnRef>
+          <a:fillRef idx="0">
+            <a:schemeClr val="accent1"/>
+          </a:fillRef>
+          <a:effectRef idx="0">
+            <a:schemeClr val="accent1"/>
+          </a:effectRef>
+          <a:fontRef idx="minor">
+            <a:schemeClr val="tx1"/>
+          </a:fontRef>
+        </p:style>
+      </p:cxnSp>
+      <p:cxnSp>
+        <p:nvCxnSpPr>
+          <p:cNvPr id="13" name="Rak koppling 12">
+            <a:extLst>
+              <a:ext uri="{FF2B5EF4-FFF2-40B4-BE49-F238E27FC236}">
+                <a16:creationId xmlns:a16="http://schemas.microsoft.com/office/drawing/2014/main" id="{A449E636-84BB-4002-A53F-D4D0D732C6C8}"/>
+              </a:ext>
+            </a:extLst>
+          </p:cNvPr>
+          <p:cNvCxnSpPr>
+            <a:cxnSpLocks/>
+          </p:cNvCxnSpPr>
+          <p:nvPr/>
+        </p:nvCxnSpPr>
+        <p:spPr>
+          <a:xfrm>
+            <a:off x="2345635" y="4353339"/>
+            <a:ext cx="6983895" cy="0"/>
+          </a:xfrm>
+          <a:prstGeom prst="line">
+            <a:avLst/>
+          </a:prstGeom>
+        </p:spPr>
+        <p:style>
+          <a:lnRef idx="1">
+            <a:schemeClr val="accent1"/>
+          </a:lnRef>
+          <a:fillRef idx="0">
+            <a:schemeClr val="accent1"/>
+          </a:fillRef>
+          <a:effectRef idx="0">
+            <a:schemeClr val="accent1"/>
+          </a:effectRef>
+          <a:fontRef idx="minor">
+            <a:schemeClr val="tx1"/>
+          </a:fontRef>
+        </p:style>
+      </p:cxnSp>
+      <p:sp>
+        <p:nvSpPr>
+          <p:cNvPr id="14" name="textruta 13">
+            <a:extLst>
+              <a:ext uri="{FF2B5EF4-FFF2-40B4-BE49-F238E27FC236}">
+                <a16:creationId xmlns:a16="http://schemas.microsoft.com/office/drawing/2014/main" id="{8917450F-5D9F-4AA6-8BA7-435E9864970C}"/>
+              </a:ext>
+            </a:extLst>
+          </p:cNvPr>
+          <p:cNvSpPr txBox="1"/>
+          <p:nvPr/>
+        </p:nvSpPr>
+        <p:spPr>
+          <a:xfrm>
+            <a:off x="5190898" y="1351722"/>
+            <a:ext cx="1293367" cy="369332"/>
+          </a:xfrm>
+          <a:prstGeom prst="rect">
+            <a:avLst/>
+          </a:prstGeom>
+          <a:noFill/>
+        </p:spPr>
+        <p:txBody>
+          <a:bodyPr wrap="none" rtlCol="0">
+            <a:spAutoFit/>
+          </a:bodyPr>
+          <a:lstStyle/>
+          <a:p>
+            <a:r>
+              <a:rPr lang="sv-SE" dirty="0" err="1"/>
+              <a:t>Användarvy</a:t>
+            </a:r>
+            <a:endParaRPr lang="sv-SE" dirty="0"/>
+          </a:p>
+        </p:txBody>
+      </p:sp>
+      <p:sp>
+        <p:nvSpPr>
+          <p:cNvPr id="15" name="textruta 14">
+            <a:extLst>
+              <a:ext uri="{FF2B5EF4-FFF2-40B4-BE49-F238E27FC236}">
+                <a16:creationId xmlns:a16="http://schemas.microsoft.com/office/drawing/2014/main" id="{7F309812-222C-464B-8D0B-AFCE6821C386}"/>
+              </a:ext>
+            </a:extLst>
+          </p:cNvPr>
+          <p:cNvSpPr txBox="1"/>
+          <p:nvPr/>
+        </p:nvSpPr>
+        <p:spPr>
+          <a:xfrm>
+            <a:off x="5274478" y="2391151"/>
+            <a:ext cx="1126206" cy="369332"/>
+          </a:xfrm>
+          <a:prstGeom prst="rect">
+            <a:avLst/>
+          </a:prstGeom>
+          <a:noFill/>
+        </p:spPr>
+        <p:txBody>
+          <a:bodyPr wrap="none" rtlCol="0">
+            <a:spAutoFit/>
+          </a:bodyPr>
+          <a:lstStyle/>
+          <a:p>
+            <a:r>
+              <a:rPr lang="sv-SE" dirty="0"/>
+              <a:t>Controller</a:t>
+            </a:r>
+          </a:p>
+        </p:txBody>
+      </p:sp>
+      <p:sp>
+        <p:nvSpPr>
+          <p:cNvPr id="16" name="textruta 15">
+            <a:extLst>
+              <a:ext uri="{FF2B5EF4-FFF2-40B4-BE49-F238E27FC236}">
+                <a16:creationId xmlns:a16="http://schemas.microsoft.com/office/drawing/2014/main" id="{BEBEB094-2DFC-483F-BEFE-1870DEE96674}"/>
+              </a:ext>
+            </a:extLst>
+          </p:cNvPr>
+          <p:cNvSpPr txBox="1"/>
+          <p:nvPr/>
+        </p:nvSpPr>
+        <p:spPr>
+          <a:xfrm>
+            <a:off x="5414227" y="3623602"/>
+            <a:ext cx="846707" cy="369332"/>
+          </a:xfrm>
+          <a:prstGeom prst="rect">
+            <a:avLst/>
+          </a:prstGeom>
+          <a:noFill/>
+        </p:spPr>
+        <p:txBody>
+          <a:bodyPr wrap="none" rtlCol="0">
+            <a:spAutoFit/>
+          </a:bodyPr>
+          <a:lstStyle/>
+          <a:p>
+            <a:r>
+              <a:rPr lang="sv-SE" dirty="0"/>
+              <a:t>Modell</a:t>
+            </a:r>
+          </a:p>
+        </p:txBody>
+      </p:sp>
+      <p:sp>
+        <p:nvSpPr>
+          <p:cNvPr id="17" name="textruta 16">
+            <a:extLst>
+              <a:ext uri="{FF2B5EF4-FFF2-40B4-BE49-F238E27FC236}">
+                <a16:creationId xmlns:a16="http://schemas.microsoft.com/office/drawing/2014/main" id="{1E362054-72DD-4585-920F-C31A4632C042}"/>
+              </a:ext>
+            </a:extLst>
+          </p:cNvPr>
+          <p:cNvSpPr txBox="1"/>
+          <p:nvPr/>
+        </p:nvSpPr>
+        <p:spPr>
+          <a:xfrm>
+            <a:off x="4362817" y="4856053"/>
+            <a:ext cx="2987997" cy="369332"/>
+          </a:xfrm>
+          <a:prstGeom prst="rect">
+            <a:avLst/>
+          </a:prstGeom>
+          <a:noFill/>
+        </p:spPr>
+        <p:txBody>
+          <a:bodyPr wrap="none" rtlCol="0">
+            <a:spAutoFit/>
+          </a:bodyPr>
+          <a:lstStyle/>
+          <a:p>
+            <a:r>
+              <a:rPr lang="sv-SE" dirty="0"/>
+              <a:t>Integration med andra system</a:t>
+            </a:r>
+          </a:p>
+        </p:txBody>
+      </p:sp>
+      <p:cxnSp>
+        <p:nvCxnSpPr>
+          <p:cNvPr id="19" name="Rak pilkoppling 18">
+            <a:extLst>
+              <a:ext uri="{FF2B5EF4-FFF2-40B4-BE49-F238E27FC236}">
+                <a16:creationId xmlns:a16="http://schemas.microsoft.com/office/drawing/2014/main" id="{4C25D5CD-ACAF-464D-820B-853AA1803695}"/>
+              </a:ext>
+            </a:extLst>
+          </p:cNvPr>
+          <p:cNvCxnSpPr>
+            <a:stCxn id="14" idx="2"/>
+            <a:endCxn id="15" idx="0"/>
+          </p:cNvCxnSpPr>
+          <p:nvPr/>
+        </p:nvCxnSpPr>
+        <p:spPr>
+          <a:xfrm flipH="1">
+            <a:off x="5837581" y="1721054"/>
+            <a:ext cx="1" cy="670097"/>
+          </a:xfrm>
+          <a:prstGeom prst="straightConnector1">
+            <a:avLst/>
+          </a:prstGeom>
+          <a:ln w="9525" cap="flat" cmpd="sng" algn="ctr">
+            <a:solidFill>
+              <a:schemeClr val="dk1"/>
+            </a:solidFill>
+            <a:prstDash val="solid"/>
+            <a:round/>
+            <a:headEnd type="none" w="med" len="med"/>
+            <a:tailEnd type="arrow" w="med" len="med"/>
+          </a:ln>
+        </p:spPr>
+        <p:style>
+          <a:lnRef idx="0">
+            <a:scrgbClr r="0" g="0" b="0"/>
+          </a:lnRef>
+          <a:fillRef idx="0">
+            <a:scrgbClr r="0" g="0" b="0"/>
+          </a:fillRef>
+          <a:effectRef idx="0">
+            <a:scrgbClr r="0" g="0" b="0"/>
+          </a:effectRef>
+          <a:fontRef idx="minor">
+            <a:schemeClr val="tx1"/>
+          </a:fontRef>
+        </p:style>
+      </p:cxnSp>
+      <p:cxnSp>
+        <p:nvCxnSpPr>
+          <p:cNvPr id="20" name="Rak pilkoppling 19">
+            <a:extLst>
+              <a:ext uri="{FF2B5EF4-FFF2-40B4-BE49-F238E27FC236}">
+                <a16:creationId xmlns:a16="http://schemas.microsoft.com/office/drawing/2014/main" id="{AE00FCA6-C6B5-4341-B1D2-6B0C23C349A7}"/>
+              </a:ext>
+            </a:extLst>
+          </p:cNvPr>
+          <p:cNvCxnSpPr/>
+          <p:nvPr/>
+        </p:nvCxnSpPr>
+        <p:spPr>
+          <a:xfrm flipH="1">
+            <a:off x="5837579" y="2786987"/>
+            <a:ext cx="1" cy="670097"/>
+          </a:xfrm>
+          <a:prstGeom prst="straightConnector1">
+            <a:avLst/>
+          </a:prstGeom>
+          <a:ln w="9525" cap="flat" cmpd="sng" algn="ctr">
+            <a:solidFill>
+              <a:schemeClr val="dk1"/>
+            </a:solidFill>
+            <a:prstDash val="solid"/>
+            <a:round/>
+            <a:headEnd type="none" w="med" len="med"/>
+            <a:tailEnd type="arrow" w="med" len="med"/>
+          </a:ln>
+        </p:spPr>
+        <p:style>
+          <a:lnRef idx="0">
+            <a:scrgbClr r="0" g="0" b="0"/>
+          </a:lnRef>
+          <a:fillRef idx="0">
+            <a:scrgbClr r="0" g="0" b="0"/>
+          </a:fillRef>
+          <a:effectRef idx="0">
+            <a:scrgbClr r="0" g="0" b="0"/>
+          </a:effectRef>
+          <a:fontRef idx="minor">
+            <a:schemeClr val="tx1"/>
+          </a:fontRef>
+        </p:style>
+      </p:cxnSp>
+      <p:cxnSp>
+        <p:nvCxnSpPr>
+          <p:cNvPr id="21" name="Rak pilkoppling 20">
+            <a:extLst>
+              <a:ext uri="{FF2B5EF4-FFF2-40B4-BE49-F238E27FC236}">
+                <a16:creationId xmlns:a16="http://schemas.microsoft.com/office/drawing/2014/main" id="{8EBA6A83-A4FB-45BC-8054-F4B3A74D11D6}"/>
+              </a:ext>
+            </a:extLst>
+          </p:cNvPr>
+          <p:cNvCxnSpPr/>
+          <p:nvPr/>
+        </p:nvCxnSpPr>
+        <p:spPr>
+          <a:xfrm flipH="1">
+            <a:off x="5837579" y="4018290"/>
+            <a:ext cx="1" cy="670097"/>
+          </a:xfrm>
+          <a:prstGeom prst="straightConnector1">
+            <a:avLst/>
+          </a:prstGeom>
+          <a:ln w="9525" cap="flat" cmpd="sng" algn="ctr">
+            <a:solidFill>
+              <a:schemeClr val="dk1"/>
+            </a:solidFill>
+            <a:prstDash val="solid"/>
+            <a:round/>
+            <a:headEnd type="none" w="med" len="med"/>
+            <a:tailEnd type="arrow" w="med" len="med"/>
+          </a:ln>
+        </p:spPr>
+        <p:style>
+          <a:lnRef idx="0">
+            <a:scrgbClr r="0" g="0" b="0"/>
+          </a:lnRef>
+          <a:fillRef idx="0">
+            <a:scrgbClr r="0" g="0" b="0"/>
+          </a:fillRef>
+          <a:effectRef idx="0">
+            <a:scrgbClr r="0" g="0" b="0"/>
+          </a:effectRef>
+          <a:fontRef idx="minor">
+            <a:schemeClr val="tx1"/>
+          </a:fontRef>
+        </p:style>
+      </p:cxnSp>
+    </p:spTree>
+    <p:extLst>
+      <p:ext uri="{BB962C8B-B14F-4D97-AF65-F5344CB8AC3E}">
+        <p14:creationId xmlns:p14="http://schemas.microsoft.com/office/powerpoint/2010/main" val="2964327875"/>
+      </p:ext>
+    </p:extLst>
+  </p:cSld>
+  <p:clrMapOvr>
+    <a:masterClrMapping/>
+  </p:clrMapOvr>
+</p:sld>
+</file>
+
+<file path=ppt/slides/slide25.xml><?xml version="1.0" encoding="utf-8"?>
+<p:sld xmlns:a="http://schemas.openxmlformats.org/drawingml/2006/main" xmlns:r="http://schemas.openxmlformats.org/officeDocument/2006/relationships" xmlns:p="http://schemas.openxmlformats.org/presentationml/2006/main">
+  <p:cSld>
+    <p:spTree>
+      <p:nvGrpSpPr>
+        <p:cNvPr id="1" name=""/>
+        <p:cNvGrpSpPr/>
+        <p:nvPr/>
+      </p:nvGrpSpPr>
+      <p:grpSpPr>
+        <a:xfrm>
+          <a:off x="0" y="0"/>
+          <a:ext cx="0" cy="0"/>
+          <a:chOff x="0" y="0"/>
+          <a:chExt cx="0" cy="0"/>
+        </a:xfrm>
+      </p:grpSpPr>
+      <p:cxnSp>
+        <p:nvCxnSpPr>
+          <p:cNvPr id="4" name="Rak koppling 3">
+            <a:extLst>
+              <a:ext uri="{FF2B5EF4-FFF2-40B4-BE49-F238E27FC236}">
+                <a16:creationId xmlns:a16="http://schemas.microsoft.com/office/drawing/2014/main" id="{86AE66C0-F26C-4089-80B3-D2BBA55D4496}"/>
+              </a:ext>
+            </a:extLst>
+          </p:cNvPr>
+          <p:cNvCxnSpPr>
+            <a:cxnSpLocks/>
+          </p:cNvCxnSpPr>
+          <p:nvPr/>
+        </p:nvCxnSpPr>
+        <p:spPr>
+          <a:xfrm>
+            <a:off x="2345635" y="1948069"/>
+            <a:ext cx="6983895" cy="0"/>
+          </a:xfrm>
+          <a:prstGeom prst="line">
+            <a:avLst/>
+          </a:prstGeom>
+        </p:spPr>
+        <p:style>
+          <a:lnRef idx="1">
+            <a:schemeClr val="accent1"/>
+          </a:lnRef>
+          <a:fillRef idx="0">
+            <a:schemeClr val="accent1"/>
+          </a:fillRef>
+          <a:effectRef idx="0">
+            <a:schemeClr val="accent1"/>
+          </a:effectRef>
+          <a:fontRef idx="minor">
+            <a:schemeClr val="tx1"/>
+          </a:fontRef>
+        </p:style>
+      </p:cxnSp>
+      <p:cxnSp>
+        <p:nvCxnSpPr>
+          <p:cNvPr id="5" name="Rak koppling 4">
+            <a:extLst>
+              <a:ext uri="{FF2B5EF4-FFF2-40B4-BE49-F238E27FC236}">
+                <a16:creationId xmlns:a16="http://schemas.microsoft.com/office/drawing/2014/main" id="{C8987ADD-E1D7-400A-AE46-F261B7D02F93}"/>
+              </a:ext>
+            </a:extLst>
+          </p:cNvPr>
+          <p:cNvCxnSpPr>
+            <a:cxnSpLocks/>
+          </p:cNvCxnSpPr>
+          <p:nvPr/>
+        </p:nvCxnSpPr>
+        <p:spPr>
+          <a:xfrm>
+            <a:off x="2345635" y="3120887"/>
+            <a:ext cx="6983895" cy="0"/>
+          </a:xfrm>
+          <a:prstGeom prst="line">
+            <a:avLst/>
+          </a:prstGeom>
+        </p:spPr>
+        <p:style>
+          <a:lnRef idx="1">
+            <a:schemeClr val="accent1"/>
+          </a:lnRef>
+          <a:fillRef idx="0">
+            <a:schemeClr val="accent1"/>
+          </a:fillRef>
+          <a:effectRef idx="0">
+            <a:schemeClr val="accent1"/>
+          </a:effectRef>
+          <a:fontRef idx="minor">
+            <a:schemeClr val="tx1"/>
+          </a:fontRef>
+        </p:style>
+      </p:cxnSp>
+      <p:cxnSp>
+        <p:nvCxnSpPr>
+          <p:cNvPr id="6" name="Rak koppling 5">
+            <a:extLst>
+              <a:ext uri="{FF2B5EF4-FFF2-40B4-BE49-F238E27FC236}">
+                <a16:creationId xmlns:a16="http://schemas.microsoft.com/office/drawing/2014/main" id="{19BCCDF9-836E-4021-ACAC-D050F84F8DF3}"/>
+              </a:ext>
+            </a:extLst>
+          </p:cNvPr>
+          <p:cNvCxnSpPr>
+            <a:cxnSpLocks/>
+          </p:cNvCxnSpPr>
+          <p:nvPr/>
+        </p:nvCxnSpPr>
+        <p:spPr>
+          <a:xfrm>
+            <a:off x="2345635" y="4353339"/>
+            <a:ext cx="6983895" cy="0"/>
+          </a:xfrm>
+          <a:prstGeom prst="line">
+            <a:avLst/>
+          </a:prstGeom>
+        </p:spPr>
+        <p:style>
+          <a:lnRef idx="1">
+            <a:schemeClr val="accent1"/>
+          </a:lnRef>
+          <a:fillRef idx="0">
+            <a:schemeClr val="accent1"/>
+          </a:fillRef>
+          <a:effectRef idx="0">
+            <a:schemeClr val="accent1"/>
+          </a:effectRef>
+          <a:fontRef idx="minor">
+            <a:schemeClr val="tx1"/>
+          </a:fontRef>
+        </p:style>
+      </p:cxnSp>
+      <p:sp>
+        <p:nvSpPr>
+          <p:cNvPr id="7" name="textruta 6">
+            <a:extLst>
+              <a:ext uri="{FF2B5EF4-FFF2-40B4-BE49-F238E27FC236}">
+                <a16:creationId xmlns:a16="http://schemas.microsoft.com/office/drawing/2014/main" id="{2AD494C8-F735-4A10-A37B-C713D2D72802}"/>
+              </a:ext>
+            </a:extLst>
+          </p:cNvPr>
+          <p:cNvSpPr txBox="1"/>
+          <p:nvPr/>
+        </p:nvSpPr>
+        <p:spPr>
+          <a:xfrm>
+            <a:off x="5190898" y="1351722"/>
+            <a:ext cx="1293367" cy="369332"/>
+          </a:xfrm>
+          <a:prstGeom prst="rect">
+            <a:avLst/>
+          </a:prstGeom>
+          <a:noFill/>
+        </p:spPr>
+        <p:txBody>
+          <a:bodyPr wrap="none" rtlCol="0">
+            <a:spAutoFit/>
+          </a:bodyPr>
+          <a:lstStyle/>
+          <a:p>
+            <a:r>
+              <a:rPr lang="sv-SE" dirty="0" err="1"/>
+              <a:t>Användarvy</a:t>
+            </a:r>
+            <a:endParaRPr lang="sv-SE" dirty="0"/>
+          </a:p>
+        </p:txBody>
+      </p:sp>
+      <p:sp>
+        <p:nvSpPr>
+          <p:cNvPr id="8" name="textruta 7">
+            <a:extLst>
+              <a:ext uri="{FF2B5EF4-FFF2-40B4-BE49-F238E27FC236}">
+                <a16:creationId xmlns:a16="http://schemas.microsoft.com/office/drawing/2014/main" id="{27467A56-3B86-416E-BF7D-5CC116F039AE}"/>
+              </a:ext>
+            </a:extLst>
+          </p:cNvPr>
+          <p:cNvSpPr txBox="1"/>
+          <p:nvPr/>
+        </p:nvSpPr>
+        <p:spPr>
+          <a:xfrm>
+            <a:off x="5274478" y="2391151"/>
+            <a:ext cx="1126206" cy="369332"/>
+          </a:xfrm>
+          <a:prstGeom prst="rect">
+            <a:avLst/>
+          </a:prstGeom>
+          <a:noFill/>
+        </p:spPr>
+        <p:txBody>
+          <a:bodyPr wrap="none" rtlCol="0">
+            <a:spAutoFit/>
+          </a:bodyPr>
+          <a:lstStyle/>
+          <a:p>
+            <a:r>
+              <a:rPr lang="sv-SE" dirty="0"/>
+              <a:t>Controller</a:t>
+            </a:r>
+          </a:p>
+        </p:txBody>
+      </p:sp>
+      <p:sp>
+        <p:nvSpPr>
+          <p:cNvPr id="9" name="textruta 8">
+            <a:extLst>
+              <a:ext uri="{FF2B5EF4-FFF2-40B4-BE49-F238E27FC236}">
+                <a16:creationId xmlns:a16="http://schemas.microsoft.com/office/drawing/2014/main" id="{5998E61D-6786-44CF-9626-65081BFC769E}"/>
+              </a:ext>
+            </a:extLst>
+          </p:cNvPr>
+          <p:cNvSpPr txBox="1"/>
+          <p:nvPr/>
+        </p:nvSpPr>
+        <p:spPr>
+          <a:xfrm>
+            <a:off x="5414227" y="3623602"/>
+            <a:ext cx="846707" cy="369332"/>
+          </a:xfrm>
+          <a:prstGeom prst="rect">
+            <a:avLst/>
+          </a:prstGeom>
+          <a:noFill/>
+        </p:spPr>
+        <p:txBody>
+          <a:bodyPr wrap="none" rtlCol="0">
+            <a:spAutoFit/>
+          </a:bodyPr>
+          <a:lstStyle/>
+          <a:p>
+            <a:r>
+              <a:rPr lang="sv-SE" dirty="0"/>
+              <a:t>Modell</a:t>
+            </a:r>
+          </a:p>
+        </p:txBody>
+      </p:sp>
+      <p:sp>
+        <p:nvSpPr>
+          <p:cNvPr id="10" name="textruta 9">
+            <a:extLst>
+              <a:ext uri="{FF2B5EF4-FFF2-40B4-BE49-F238E27FC236}">
+                <a16:creationId xmlns:a16="http://schemas.microsoft.com/office/drawing/2014/main" id="{E395F6DD-8080-4EB9-8A06-4AD611A1A7AA}"/>
+              </a:ext>
+            </a:extLst>
+          </p:cNvPr>
+          <p:cNvSpPr txBox="1"/>
+          <p:nvPr/>
+        </p:nvSpPr>
+        <p:spPr>
+          <a:xfrm>
+            <a:off x="4362817" y="4856053"/>
+            <a:ext cx="2987997" cy="369332"/>
+          </a:xfrm>
+          <a:prstGeom prst="rect">
+            <a:avLst/>
+          </a:prstGeom>
+          <a:noFill/>
+        </p:spPr>
+        <p:txBody>
+          <a:bodyPr wrap="none" rtlCol="0">
+            <a:spAutoFit/>
+          </a:bodyPr>
+          <a:lstStyle/>
+          <a:p>
+            <a:r>
+              <a:rPr lang="sv-SE" dirty="0"/>
+              <a:t>Integration med andra system</a:t>
+            </a:r>
+          </a:p>
+        </p:txBody>
+      </p:sp>
+      <p:cxnSp>
+        <p:nvCxnSpPr>
+          <p:cNvPr id="11" name="Rak pilkoppling 10">
+            <a:extLst>
+              <a:ext uri="{FF2B5EF4-FFF2-40B4-BE49-F238E27FC236}">
+                <a16:creationId xmlns:a16="http://schemas.microsoft.com/office/drawing/2014/main" id="{EA05B0C0-623B-43B1-9871-CA7233E9B3C2}"/>
+              </a:ext>
+            </a:extLst>
+          </p:cNvPr>
+          <p:cNvCxnSpPr>
+            <a:stCxn id="7" idx="2"/>
+            <a:endCxn id="8" idx="0"/>
+          </p:cNvCxnSpPr>
+          <p:nvPr/>
+        </p:nvCxnSpPr>
+        <p:spPr>
+          <a:xfrm flipH="1">
+            <a:off x="5837581" y="1721054"/>
+            <a:ext cx="1" cy="670097"/>
+          </a:xfrm>
+          <a:prstGeom prst="straightConnector1">
+            <a:avLst/>
+          </a:prstGeom>
+          <a:ln w="9525" cap="flat" cmpd="sng" algn="ctr">
+            <a:solidFill>
+              <a:schemeClr val="dk1"/>
+            </a:solidFill>
+            <a:prstDash val="solid"/>
+            <a:round/>
+            <a:headEnd type="none" w="med" len="med"/>
+            <a:tailEnd type="arrow" w="med" len="med"/>
+          </a:ln>
+        </p:spPr>
+        <p:style>
+          <a:lnRef idx="0">
+            <a:scrgbClr r="0" g="0" b="0"/>
+          </a:lnRef>
+          <a:fillRef idx="0">
+            <a:scrgbClr r="0" g="0" b="0"/>
+          </a:fillRef>
+          <a:effectRef idx="0">
+            <a:scrgbClr r="0" g="0" b="0"/>
+          </a:effectRef>
+          <a:fontRef idx="minor">
+            <a:schemeClr val="tx1"/>
+          </a:fontRef>
+        </p:style>
+      </p:cxnSp>
+      <p:cxnSp>
+        <p:nvCxnSpPr>
+          <p:cNvPr id="12" name="Rak pilkoppling 11">
+            <a:extLst>
+              <a:ext uri="{FF2B5EF4-FFF2-40B4-BE49-F238E27FC236}">
+                <a16:creationId xmlns:a16="http://schemas.microsoft.com/office/drawing/2014/main" id="{82D04A8A-48C4-4D8E-9F54-52566B297EEF}"/>
+              </a:ext>
+            </a:extLst>
+          </p:cNvPr>
+          <p:cNvCxnSpPr/>
+          <p:nvPr/>
+        </p:nvCxnSpPr>
+        <p:spPr>
+          <a:xfrm flipH="1">
+            <a:off x="5837579" y="2786987"/>
+            <a:ext cx="1" cy="670097"/>
+          </a:xfrm>
+          <a:prstGeom prst="straightConnector1">
+            <a:avLst/>
+          </a:prstGeom>
+          <a:ln w="9525" cap="flat" cmpd="sng" algn="ctr">
+            <a:solidFill>
+              <a:schemeClr val="dk1"/>
+            </a:solidFill>
+            <a:prstDash val="solid"/>
+            <a:round/>
+            <a:headEnd type="none" w="med" len="med"/>
+            <a:tailEnd type="arrow" w="med" len="med"/>
+          </a:ln>
+        </p:spPr>
+        <p:style>
+          <a:lnRef idx="0">
+            <a:scrgbClr r="0" g="0" b="0"/>
+          </a:lnRef>
+          <a:fillRef idx="0">
+            <a:scrgbClr r="0" g="0" b="0"/>
+          </a:fillRef>
+          <a:effectRef idx="0">
+            <a:scrgbClr r="0" g="0" b="0"/>
+          </a:effectRef>
+          <a:fontRef idx="minor">
+            <a:schemeClr val="tx1"/>
+          </a:fontRef>
+        </p:style>
+      </p:cxnSp>
+      <p:cxnSp>
+        <p:nvCxnSpPr>
+          <p:cNvPr id="13" name="Rak pilkoppling 12">
+            <a:extLst>
+              <a:ext uri="{FF2B5EF4-FFF2-40B4-BE49-F238E27FC236}">
+                <a16:creationId xmlns:a16="http://schemas.microsoft.com/office/drawing/2014/main" id="{D82898D2-E550-4031-B353-0BA7C589C3D4}"/>
+              </a:ext>
+            </a:extLst>
+          </p:cNvPr>
+          <p:cNvCxnSpPr/>
+          <p:nvPr/>
+        </p:nvCxnSpPr>
+        <p:spPr>
+          <a:xfrm flipH="1">
+            <a:off x="5837579" y="4018290"/>
+            <a:ext cx="1" cy="670097"/>
+          </a:xfrm>
+          <a:prstGeom prst="straightConnector1">
+            <a:avLst/>
+          </a:prstGeom>
+          <a:ln w="9525" cap="flat" cmpd="sng" algn="ctr">
+            <a:solidFill>
+              <a:schemeClr val="dk1"/>
+            </a:solidFill>
+            <a:prstDash val="solid"/>
+            <a:round/>
+            <a:headEnd type="none" w="med" len="med"/>
+            <a:tailEnd type="arrow" w="med" len="med"/>
+          </a:ln>
+        </p:spPr>
+        <p:style>
+          <a:lnRef idx="0">
+            <a:scrgbClr r="0" g="0" b="0"/>
+          </a:lnRef>
+          <a:fillRef idx="0">
+            <a:scrgbClr r="0" g="0" b="0"/>
+          </a:fillRef>
+          <a:effectRef idx="0">
+            <a:scrgbClr r="0" g="0" b="0"/>
+          </a:effectRef>
+          <a:fontRef idx="minor">
+            <a:schemeClr val="tx1"/>
+          </a:fontRef>
+        </p:style>
+      </p:cxnSp>
+      <p:cxnSp>
+        <p:nvCxnSpPr>
+          <p:cNvPr id="14" name="Rak koppling 13">
+            <a:extLst>
+              <a:ext uri="{FF2B5EF4-FFF2-40B4-BE49-F238E27FC236}">
+                <a16:creationId xmlns:a16="http://schemas.microsoft.com/office/drawing/2014/main" id="{7797D5D9-DA9B-44F1-8BE1-5BA674869D93}"/>
+              </a:ext>
+            </a:extLst>
+          </p:cNvPr>
+          <p:cNvCxnSpPr>
+            <a:cxnSpLocks/>
+          </p:cNvCxnSpPr>
+          <p:nvPr/>
+        </p:nvCxnSpPr>
+        <p:spPr>
+          <a:xfrm>
+            <a:off x="9541565" y="454604"/>
+            <a:ext cx="0" cy="5599044"/>
+          </a:xfrm>
+          <a:prstGeom prst="line">
+            <a:avLst/>
+          </a:prstGeom>
+        </p:spPr>
+        <p:style>
+          <a:lnRef idx="1">
+            <a:schemeClr val="accent1"/>
+          </a:lnRef>
+          <a:fillRef idx="0">
+            <a:schemeClr val="accent1"/>
+          </a:fillRef>
+          <a:effectRef idx="0">
+            <a:schemeClr val="accent1"/>
+          </a:effectRef>
+          <a:fontRef idx="minor">
+            <a:schemeClr val="tx1"/>
+          </a:fontRef>
+        </p:style>
+      </p:cxnSp>
+      <p:sp>
+        <p:nvSpPr>
+          <p:cNvPr id="15" name="textruta 14">
+            <a:extLst>
+              <a:ext uri="{FF2B5EF4-FFF2-40B4-BE49-F238E27FC236}">
+                <a16:creationId xmlns:a16="http://schemas.microsoft.com/office/drawing/2014/main" id="{C0949E3E-807A-4DD4-8CEB-6AD9FF898DA0}"/>
+              </a:ext>
+            </a:extLst>
+          </p:cNvPr>
+          <p:cNvSpPr txBox="1"/>
+          <p:nvPr/>
+        </p:nvSpPr>
+        <p:spPr>
+          <a:xfrm>
+            <a:off x="10031895" y="596347"/>
+            <a:ext cx="1003673" cy="369332"/>
+          </a:xfrm>
+          <a:prstGeom prst="rect">
+            <a:avLst/>
+          </a:prstGeom>
+          <a:noFill/>
+        </p:spPr>
+        <p:txBody>
+          <a:bodyPr wrap="none" rtlCol="0">
+            <a:spAutoFit/>
+          </a:bodyPr>
+          <a:lstStyle/>
+          <a:p>
+            <a:r>
+              <a:rPr lang="sv-SE" dirty="0"/>
+              <a:t>Uppstart</a:t>
+            </a:r>
+          </a:p>
+        </p:txBody>
+      </p:sp>
+      <p:cxnSp>
+        <p:nvCxnSpPr>
+          <p:cNvPr id="16" name="Rak koppling 15">
+            <a:extLst>
+              <a:ext uri="{FF2B5EF4-FFF2-40B4-BE49-F238E27FC236}">
+                <a16:creationId xmlns:a16="http://schemas.microsoft.com/office/drawing/2014/main" id="{1CEF66EC-8F0E-4951-B98F-388C43649EB3}"/>
+              </a:ext>
+            </a:extLst>
+          </p:cNvPr>
+          <p:cNvCxnSpPr>
+            <a:cxnSpLocks/>
+          </p:cNvCxnSpPr>
+          <p:nvPr/>
+        </p:nvCxnSpPr>
+        <p:spPr>
+          <a:xfrm>
+            <a:off x="2166730" y="545638"/>
+            <a:ext cx="0" cy="5599044"/>
+          </a:xfrm>
+          <a:prstGeom prst="line">
+            <a:avLst/>
+          </a:prstGeom>
+        </p:spPr>
+        <p:style>
+          <a:lnRef idx="1">
+            <a:schemeClr val="accent1"/>
+          </a:lnRef>
+          <a:fillRef idx="0">
+            <a:schemeClr val="accent1"/>
+          </a:fillRef>
+          <a:effectRef idx="0">
+            <a:schemeClr val="accent1"/>
+          </a:effectRef>
+          <a:fontRef idx="minor">
+            <a:schemeClr val="tx1"/>
+          </a:fontRef>
+        </p:style>
+      </p:cxnSp>
+      <p:sp>
+        <p:nvSpPr>
+          <p:cNvPr id="17" name="textruta 16">
+            <a:extLst>
+              <a:ext uri="{FF2B5EF4-FFF2-40B4-BE49-F238E27FC236}">
+                <a16:creationId xmlns:a16="http://schemas.microsoft.com/office/drawing/2014/main" id="{2808E8C2-CB49-4148-9551-88578F776600}"/>
+              </a:ext>
+            </a:extLst>
+          </p:cNvPr>
+          <p:cNvSpPr txBox="1"/>
+          <p:nvPr/>
+        </p:nvSpPr>
+        <p:spPr>
+          <a:xfrm>
+            <a:off x="412927" y="781013"/>
+            <a:ext cx="1574895" cy="923330"/>
+          </a:xfrm>
+          <a:prstGeom prst="rect">
+            <a:avLst/>
+          </a:prstGeom>
+          <a:noFill/>
+        </p:spPr>
+        <p:txBody>
+          <a:bodyPr wrap="square" rtlCol="0">
+            <a:spAutoFit/>
+          </a:bodyPr>
+          <a:lstStyle/>
+          <a:p>
+            <a:r>
+              <a:rPr lang="sv-SE" dirty="0"/>
+              <a:t>Hjälpbibliotek och datacontainrar</a:t>
+            </a:r>
+          </a:p>
+        </p:txBody>
+      </p:sp>
+      <p:cxnSp>
+        <p:nvCxnSpPr>
+          <p:cNvPr id="18" name="Rak pilkoppling 17">
+            <a:extLst>
+              <a:ext uri="{FF2B5EF4-FFF2-40B4-BE49-F238E27FC236}">
+                <a16:creationId xmlns:a16="http://schemas.microsoft.com/office/drawing/2014/main" id="{8AAF9579-21ED-44A8-AA6F-3E0DDF019B6F}"/>
+              </a:ext>
+            </a:extLst>
+          </p:cNvPr>
+          <p:cNvCxnSpPr/>
+          <p:nvPr/>
+        </p:nvCxnSpPr>
+        <p:spPr>
+          <a:xfrm flipH="1">
+            <a:off x="6612835" y="965679"/>
+            <a:ext cx="3419060" cy="545069"/>
+          </a:xfrm>
+          <a:prstGeom prst="straightConnector1">
+            <a:avLst/>
+          </a:prstGeom>
+          <a:ln w="9525" cap="flat" cmpd="sng" algn="ctr">
+            <a:solidFill>
+              <a:schemeClr val="dk1"/>
+            </a:solidFill>
+            <a:prstDash val="solid"/>
+            <a:round/>
+            <a:headEnd type="none" w="med" len="med"/>
+            <a:tailEnd type="arrow" w="med" len="med"/>
+          </a:ln>
+        </p:spPr>
+        <p:style>
+          <a:lnRef idx="0">
+            <a:scrgbClr r="0" g="0" b="0"/>
+          </a:lnRef>
+          <a:fillRef idx="0">
+            <a:scrgbClr r="0" g="0" b="0"/>
+          </a:fillRef>
+          <a:effectRef idx="0">
+            <a:scrgbClr r="0" g="0" b="0"/>
+          </a:effectRef>
+          <a:fontRef idx="minor">
+            <a:schemeClr val="tx1"/>
+          </a:fontRef>
+        </p:style>
+      </p:cxnSp>
+      <p:cxnSp>
+        <p:nvCxnSpPr>
+          <p:cNvPr id="19" name="Rak pilkoppling 18">
+            <a:extLst>
+              <a:ext uri="{FF2B5EF4-FFF2-40B4-BE49-F238E27FC236}">
+                <a16:creationId xmlns:a16="http://schemas.microsoft.com/office/drawing/2014/main" id="{1B406486-8473-4FCE-821C-325EFFEC42FB}"/>
+              </a:ext>
+            </a:extLst>
+          </p:cNvPr>
+          <p:cNvCxnSpPr>
+            <a:cxnSpLocks/>
+          </p:cNvCxnSpPr>
+          <p:nvPr/>
+        </p:nvCxnSpPr>
+        <p:spPr>
+          <a:xfrm flipH="1">
+            <a:off x="6612835" y="1118079"/>
+            <a:ext cx="3587232" cy="1386582"/>
+          </a:xfrm>
+          <a:prstGeom prst="straightConnector1">
+            <a:avLst/>
+          </a:prstGeom>
+          <a:ln w="9525" cap="flat" cmpd="sng" algn="ctr">
+            <a:solidFill>
+              <a:schemeClr val="dk1"/>
+            </a:solidFill>
+            <a:prstDash val="solid"/>
+            <a:round/>
+            <a:headEnd type="none" w="med" len="med"/>
+            <a:tailEnd type="arrow" w="med" len="med"/>
+          </a:ln>
+        </p:spPr>
+        <p:style>
+          <a:lnRef idx="0">
+            <a:scrgbClr r="0" g="0" b="0"/>
+          </a:lnRef>
+          <a:fillRef idx="0">
+            <a:scrgbClr r="0" g="0" b="0"/>
+          </a:fillRef>
+          <a:effectRef idx="0">
+            <a:scrgbClr r="0" g="0" b="0"/>
+          </a:effectRef>
+          <a:fontRef idx="minor">
+            <a:schemeClr val="tx1"/>
+          </a:fontRef>
+        </p:style>
+      </p:cxnSp>
+      <p:cxnSp>
+        <p:nvCxnSpPr>
+          <p:cNvPr id="20" name="Rak pilkoppling 19">
+            <a:extLst>
+              <a:ext uri="{FF2B5EF4-FFF2-40B4-BE49-F238E27FC236}">
+                <a16:creationId xmlns:a16="http://schemas.microsoft.com/office/drawing/2014/main" id="{6B37F306-3D37-4C9F-86B4-3B0D0B950715}"/>
+              </a:ext>
+            </a:extLst>
+          </p:cNvPr>
+          <p:cNvCxnSpPr>
+            <a:cxnSpLocks/>
+          </p:cNvCxnSpPr>
+          <p:nvPr/>
+        </p:nvCxnSpPr>
+        <p:spPr>
+          <a:xfrm flipH="1">
+            <a:off x="6484265" y="1118079"/>
+            <a:ext cx="4004830" cy="2619034"/>
+          </a:xfrm>
+          <a:prstGeom prst="straightConnector1">
+            <a:avLst/>
+          </a:prstGeom>
+          <a:ln w="9525" cap="flat" cmpd="sng" algn="ctr">
+            <a:solidFill>
+              <a:schemeClr val="dk1"/>
+            </a:solidFill>
+            <a:prstDash val="solid"/>
+            <a:round/>
+            <a:headEnd type="none" w="med" len="med"/>
+            <a:tailEnd type="arrow" w="med" len="med"/>
+          </a:ln>
+        </p:spPr>
+        <p:style>
+          <a:lnRef idx="0">
+            <a:scrgbClr r="0" g="0" b="0"/>
+          </a:lnRef>
+          <a:fillRef idx="0">
+            <a:scrgbClr r="0" g="0" b="0"/>
+          </a:fillRef>
+          <a:effectRef idx="0">
+            <a:scrgbClr r="0" g="0" b="0"/>
+          </a:effectRef>
+          <a:fontRef idx="minor">
+            <a:schemeClr val="tx1"/>
+          </a:fontRef>
+        </p:style>
+      </p:cxnSp>
+      <p:cxnSp>
+        <p:nvCxnSpPr>
+          <p:cNvPr id="21" name="Rak pilkoppling 20">
+            <a:extLst>
+              <a:ext uri="{FF2B5EF4-FFF2-40B4-BE49-F238E27FC236}">
+                <a16:creationId xmlns:a16="http://schemas.microsoft.com/office/drawing/2014/main" id="{8D2972ED-BF51-4E3F-8322-26E3E609E2B1}"/>
+              </a:ext>
+            </a:extLst>
+          </p:cNvPr>
+          <p:cNvCxnSpPr>
+            <a:cxnSpLocks/>
+          </p:cNvCxnSpPr>
+          <p:nvPr/>
+        </p:nvCxnSpPr>
+        <p:spPr>
+          <a:xfrm flipH="1">
+            <a:off x="7483373" y="1118079"/>
+            <a:ext cx="3318426" cy="3570308"/>
+          </a:xfrm>
+          <a:prstGeom prst="straightConnector1">
+            <a:avLst/>
+          </a:prstGeom>
+          <a:ln w="9525" cap="flat" cmpd="sng" algn="ctr">
+            <a:solidFill>
+              <a:schemeClr val="dk1"/>
+            </a:solidFill>
+            <a:prstDash val="solid"/>
+            <a:round/>
+            <a:headEnd type="none" w="med" len="med"/>
+            <a:tailEnd type="arrow" w="med" len="med"/>
+          </a:ln>
+        </p:spPr>
+        <p:style>
+          <a:lnRef idx="0">
+            <a:scrgbClr r="0" g="0" b="0"/>
+          </a:lnRef>
+          <a:fillRef idx="0">
+            <a:scrgbClr r="0" g="0" b="0"/>
+          </a:fillRef>
+          <a:effectRef idx="0">
+            <a:scrgbClr r="0" g="0" b="0"/>
+          </a:effectRef>
+          <a:fontRef idx="minor">
+            <a:schemeClr val="tx1"/>
+          </a:fontRef>
+        </p:style>
+      </p:cxnSp>
+      <p:cxnSp>
+        <p:nvCxnSpPr>
+          <p:cNvPr id="22" name="Rak pilkoppling 21">
+            <a:extLst>
+              <a:ext uri="{FF2B5EF4-FFF2-40B4-BE49-F238E27FC236}">
+                <a16:creationId xmlns:a16="http://schemas.microsoft.com/office/drawing/2014/main" id="{FF75654C-10C3-4CF2-9EA3-9EE0482B6597}"/>
+              </a:ext>
+            </a:extLst>
+          </p:cNvPr>
+          <p:cNvCxnSpPr>
+            <a:cxnSpLocks/>
+            <a:endCxn id="17" idx="3"/>
+          </p:cNvCxnSpPr>
+          <p:nvPr/>
+        </p:nvCxnSpPr>
+        <p:spPr>
+          <a:xfrm flipH="1" flipV="1">
+            <a:off x="1987822" y="1242678"/>
+            <a:ext cx="3122772" cy="373224"/>
+          </a:xfrm>
+          <a:prstGeom prst="straightConnector1">
+            <a:avLst/>
+          </a:prstGeom>
+          <a:ln w="9525" cap="flat" cmpd="sng" algn="ctr">
+            <a:solidFill>
+              <a:schemeClr val="dk1"/>
+            </a:solidFill>
+            <a:prstDash val="solid"/>
+            <a:round/>
+            <a:headEnd type="none" w="med" len="med"/>
+            <a:tailEnd type="arrow" w="med" len="med"/>
+          </a:ln>
+        </p:spPr>
+        <p:style>
+          <a:lnRef idx="0">
+            <a:scrgbClr r="0" g="0" b="0"/>
+          </a:lnRef>
+          <a:fillRef idx="0">
+            <a:scrgbClr r="0" g="0" b="0"/>
+          </a:fillRef>
+          <a:effectRef idx="0">
+            <a:scrgbClr r="0" g="0" b="0"/>
+          </a:effectRef>
+          <a:fontRef idx="minor">
+            <a:schemeClr val="tx1"/>
+          </a:fontRef>
+        </p:style>
+      </p:cxnSp>
+      <p:cxnSp>
+        <p:nvCxnSpPr>
+          <p:cNvPr id="23" name="Rak pilkoppling 22">
+            <a:extLst>
+              <a:ext uri="{FF2B5EF4-FFF2-40B4-BE49-F238E27FC236}">
+                <a16:creationId xmlns:a16="http://schemas.microsoft.com/office/drawing/2014/main" id="{68E5E6F8-19FC-402E-AFEB-56A8D805C8F6}"/>
+              </a:ext>
+            </a:extLst>
+          </p:cNvPr>
+          <p:cNvCxnSpPr>
+            <a:cxnSpLocks/>
+          </p:cNvCxnSpPr>
+          <p:nvPr/>
+        </p:nvCxnSpPr>
+        <p:spPr>
+          <a:xfrm flipH="1" flipV="1">
+            <a:off x="1967119" y="1704343"/>
+            <a:ext cx="3152618" cy="883652"/>
+          </a:xfrm>
+          <a:prstGeom prst="straightConnector1">
+            <a:avLst/>
+          </a:prstGeom>
+          <a:ln w="9525" cap="flat" cmpd="sng" algn="ctr">
+            <a:solidFill>
+              <a:schemeClr val="dk1"/>
+            </a:solidFill>
+            <a:prstDash val="solid"/>
+            <a:round/>
+            <a:headEnd type="none" w="med" len="med"/>
+            <a:tailEnd type="arrow" w="med" len="med"/>
+          </a:ln>
+        </p:spPr>
+        <p:style>
+          <a:lnRef idx="0">
+            <a:scrgbClr r="0" g="0" b="0"/>
+          </a:lnRef>
+          <a:fillRef idx="0">
+            <a:scrgbClr r="0" g="0" b="0"/>
+          </a:fillRef>
+          <a:effectRef idx="0">
+            <a:scrgbClr r="0" g="0" b="0"/>
+          </a:effectRef>
+          <a:fontRef idx="minor">
+            <a:schemeClr val="tx1"/>
+          </a:fontRef>
+        </p:style>
+      </p:cxnSp>
+      <p:cxnSp>
+        <p:nvCxnSpPr>
+          <p:cNvPr id="24" name="Rak pilkoppling 23">
+            <a:extLst>
+              <a:ext uri="{FF2B5EF4-FFF2-40B4-BE49-F238E27FC236}">
+                <a16:creationId xmlns:a16="http://schemas.microsoft.com/office/drawing/2014/main" id="{2D4655B7-5FBB-4E6C-9CB6-0EFE41610D0C}"/>
+              </a:ext>
+            </a:extLst>
+          </p:cNvPr>
+          <p:cNvCxnSpPr>
+            <a:cxnSpLocks/>
+          </p:cNvCxnSpPr>
+          <p:nvPr/>
+        </p:nvCxnSpPr>
+        <p:spPr>
+          <a:xfrm flipH="1" flipV="1">
+            <a:off x="1702905" y="1859628"/>
+            <a:ext cx="3608315" cy="1845394"/>
+          </a:xfrm>
+          <a:prstGeom prst="straightConnector1">
+            <a:avLst/>
+          </a:prstGeom>
+          <a:ln w="9525" cap="flat" cmpd="sng" algn="ctr">
+            <a:solidFill>
+              <a:schemeClr val="dk1"/>
+            </a:solidFill>
+            <a:prstDash val="solid"/>
+            <a:round/>
+            <a:headEnd type="none" w="med" len="med"/>
+            <a:tailEnd type="arrow" w="med" len="med"/>
+          </a:ln>
+        </p:spPr>
+        <p:style>
+          <a:lnRef idx="0">
+            <a:scrgbClr r="0" g="0" b="0"/>
+          </a:lnRef>
+          <a:fillRef idx="0">
+            <a:scrgbClr r="0" g="0" b="0"/>
+          </a:fillRef>
+          <a:effectRef idx="0">
+            <a:scrgbClr r="0" g="0" b="0"/>
+          </a:effectRef>
+          <a:fontRef idx="minor">
+            <a:schemeClr val="tx1"/>
+          </a:fontRef>
+        </p:style>
+      </p:cxnSp>
+      <p:cxnSp>
+        <p:nvCxnSpPr>
+          <p:cNvPr id="25" name="Rak pilkoppling 24">
+            <a:extLst>
+              <a:ext uri="{FF2B5EF4-FFF2-40B4-BE49-F238E27FC236}">
+                <a16:creationId xmlns:a16="http://schemas.microsoft.com/office/drawing/2014/main" id="{BBD37839-4305-4535-B4F3-815244AAA20B}"/>
+              </a:ext>
+            </a:extLst>
+          </p:cNvPr>
+          <p:cNvCxnSpPr>
+            <a:cxnSpLocks/>
+          </p:cNvCxnSpPr>
+          <p:nvPr/>
+        </p:nvCxnSpPr>
+        <p:spPr>
+          <a:xfrm flipH="1" flipV="1">
+            <a:off x="1375101" y="1985261"/>
+            <a:ext cx="2924515" cy="3055458"/>
+          </a:xfrm>
+          <a:prstGeom prst="straightConnector1">
+            <a:avLst/>
+          </a:prstGeom>
+          <a:ln w="9525" cap="flat" cmpd="sng" algn="ctr">
+            <a:solidFill>
+              <a:schemeClr val="dk1"/>
+            </a:solidFill>
+            <a:prstDash val="solid"/>
+            <a:round/>
+            <a:headEnd type="none" w="med" len="med"/>
+            <a:tailEnd type="arrow" w="med" len="med"/>
+          </a:ln>
+        </p:spPr>
+        <p:style>
+          <a:lnRef idx="0">
+            <a:scrgbClr r="0" g="0" b="0"/>
+          </a:lnRef>
+          <a:fillRef idx="0">
+            <a:scrgbClr r="0" g="0" b="0"/>
+          </a:fillRef>
+          <a:effectRef idx="0">
+            <a:scrgbClr r="0" g="0" b="0"/>
+          </a:effectRef>
+          <a:fontRef idx="minor">
+            <a:schemeClr val="tx1"/>
+          </a:fontRef>
+        </p:style>
+      </p:cxnSp>
+    </p:spTree>
+    <p:extLst>
+      <p:ext uri="{BB962C8B-B14F-4D97-AF65-F5344CB8AC3E}">
+        <p14:creationId xmlns:p14="http://schemas.microsoft.com/office/powerpoint/2010/main" val="2389762956"/>
+      </p:ext>
+    </p:extLst>
+  </p:cSld>
+  <p:clrMapOvr>
+    <a:masterClrMapping/>
+  </p:clrMapOvr>
+</p:sld>
+</file>
+
+<file path=ppt/slides/slide26.xml><?xml version="1.0" encoding="utf-8"?>
+<p:sld xmlns:a="http://schemas.openxmlformats.org/drawingml/2006/main" xmlns:r="http://schemas.openxmlformats.org/officeDocument/2006/relationships" xmlns:p="http://schemas.openxmlformats.org/presentationml/2006/main">
+  <p:cSld>
+    <p:spTree>
+      <p:nvGrpSpPr>
+        <p:cNvPr id="1" name=""/>
+        <p:cNvGrpSpPr/>
+        <p:nvPr/>
+      </p:nvGrpSpPr>
+      <p:grpSpPr>
+        <a:xfrm>
+          <a:off x="0" y="0"/>
+          <a:ext cx="0" cy="0"/>
+          <a:chOff x="0" y="0"/>
+          <a:chExt cx="0" cy="0"/>
+        </a:xfrm>
+      </p:grpSpPr>
+      <p:sp>
+        <p:nvSpPr>
+          <p:cNvPr id="33" name="Rektangel: rundade hörn 32">
+            <a:extLst>
+              <a:ext uri="{FF2B5EF4-FFF2-40B4-BE49-F238E27FC236}">
+                <a16:creationId xmlns:a16="http://schemas.microsoft.com/office/drawing/2014/main" id="{8B57B4E2-1DCD-43AF-BFF9-A3D95208B108}"/>
+              </a:ext>
+            </a:extLst>
+          </p:cNvPr>
+          <p:cNvSpPr/>
+          <p:nvPr/>
+        </p:nvSpPr>
+        <p:spPr>
+          <a:xfrm>
+            <a:off x="2428783" y="1563602"/>
+            <a:ext cx="5213842" cy="1088903"/>
+          </a:xfrm>
+          <a:prstGeom prst="roundRect">
+            <a:avLst/>
+          </a:prstGeom>
+          <a:solidFill>
+            <a:schemeClr val="bg2"/>
+          </a:solidFill>
+        </p:spPr>
+        <p:style>
+          <a:lnRef idx="2">
+            <a:schemeClr val="accent1">
+              <a:shade val="50000"/>
+            </a:schemeClr>
+          </a:lnRef>
+          <a:fillRef idx="1">
+            <a:schemeClr val="accent1"/>
+          </a:fillRef>
+          <a:effectRef idx="0">
+            <a:schemeClr val="accent1"/>
+          </a:effectRef>
+          <a:fontRef idx="minor">
+            <a:schemeClr val="lt1"/>
+          </a:fontRef>
+        </p:style>
+        <p:txBody>
+          <a:bodyPr rtlCol="0" anchor="ctr"/>
+          <a:lstStyle/>
+          <a:p>
+            <a:pPr algn="ctr"/>
+            <a:endParaRPr lang="sv-SE"/>
+          </a:p>
+        </p:txBody>
+      </p:sp>
+      <p:sp>
+        <p:nvSpPr>
+          <p:cNvPr id="31" name="Rektangel: rundade hörn 30">
+            <a:extLst>
+              <a:ext uri="{FF2B5EF4-FFF2-40B4-BE49-F238E27FC236}">
+                <a16:creationId xmlns:a16="http://schemas.microsoft.com/office/drawing/2014/main" id="{AAD230EB-442D-43FA-B321-1EA3E4712129}"/>
+              </a:ext>
+            </a:extLst>
+          </p:cNvPr>
+          <p:cNvSpPr/>
+          <p:nvPr/>
+        </p:nvSpPr>
+        <p:spPr>
+          <a:xfrm>
+            <a:off x="983976" y="170159"/>
+            <a:ext cx="6874883" cy="1160715"/>
+          </a:xfrm>
+          <a:prstGeom prst="roundRect">
+            <a:avLst/>
+          </a:prstGeom>
+          <a:solidFill>
+            <a:schemeClr val="bg2"/>
+          </a:solidFill>
+        </p:spPr>
+        <p:style>
+          <a:lnRef idx="2">
+            <a:schemeClr val="accent1">
+              <a:shade val="50000"/>
+            </a:schemeClr>
+          </a:lnRef>
+          <a:fillRef idx="1">
+            <a:schemeClr val="accent1"/>
+          </a:fillRef>
+          <a:effectRef idx="0">
+            <a:schemeClr val="accent1"/>
+          </a:effectRef>
+          <a:fontRef idx="minor">
+            <a:schemeClr val="lt1"/>
+          </a:fontRef>
+        </p:style>
+        <p:txBody>
+          <a:bodyPr rtlCol="0" anchor="ctr"/>
+          <a:lstStyle/>
+          <a:p>
+            <a:pPr algn="ctr"/>
+            <a:endParaRPr lang="sv-SE"/>
+          </a:p>
+        </p:txBody>
+      </p:sp>
+      <p:cxnSp>
+        <p:nvCxnSpPr>
+          <p:cNvPr id="5" name="Rak koppling 4">
+            <a:extLst>
+              <a:ext uri="{FF2B5EF4-FFF2-40B4-BE49-F238E27FC236}">
+                <a16:creationId xmlns:a16="http://schemas.microsoft.com/office/drawing/2014/main" id="{2089F7E9-22EB-401C-9460-B0E445190B3F}"/>
+              </a:ext>
+            </a:extLst>
+          </p:cNvPr>
+          <p:cNvCxnSpPr>
+            <a:cxnSpLocks/>
+          </p:cNvCxnSpPr>
+          <p:nvPr/>
+        </p:nvCxnSpPr>
+        <p:spPr>
+          <a:xfrm>
+            <a:off x="702365" y="2763078"/>
+            <a:ext cx="10893287" cy="0"/>
+          </a:xfrm>
+          <a:prstGeom prst="line">
+            <a:avLst/>
+          </a:prstGeom>
+        </p:spPr>
+        <p:style>
+          <a:lnRef idx="1">
+            <a:schemeClr val="accent1"/>
+          </a:lnRef>
+          <a:fillRef idx="0">
+            <a:schemeClr val="accent1"/>
+          </a:fillRef>
+          <a:effectRef idx="0">
+            <a:schemeClr val="accent1"/>
+          </a:effectRef>
+          <a:fontRef idx="minor">
+            <a:schemeClr val="tx1"/>
+          </a:fontRef>
+        </p:style>
+      </p:cxnSp>
+      <p:sp>
+        <p:nvSpPr>
+          <p:cNvPr id="9" name="Rektangel: rundade hörn 8">
+            <a:extLst>
+              <a:ext uri="{FF2B5EF4-FFF2-40B4-BE49-F238E27FC236}">
+                <a16:creationId xmlns:a16="http://schemas.microsoft.com/office/drawing/2014/main" id="{C14F1C8D-DEA2-4CD3-B18D-52B216DF6B25}"/>
+              </a:ext>
+            </a:extLst>
+          </p:cNvPr>
+          <p:cNvSpPr/>
+          <p:nvPr/>
+        </p:nvSpPr>
+        <p:spPr>
+          <a:xfrm>
+            <a:off x="4831094" y="492090"/>
+            <a:ext cx="2054087" cy="755363"/>
+          </a:xfrm>
+          <a:prstGeom prst="roundRect">
+            <a:avLst/>
+          </a:prstGeom>
+          <a:solidFill>
+            <a:schemeClr val="accent1">
+              <a:lumMod val="20000"/>
+              <a:lumOff val="80000"/>
+            </a:schemeClr>
+          </a:solidFill>
+        </p:spPr>
+        <p:style>
+          <a:lnRef idx="2">
+            <a:schemeClr val="accent1">
+              <a:shade val="50000"/>
+            </a:schemeClr>
+          </a:lnRef>
+          <a:fillRef idx="1">
+            <a:schemeClr val="accent1"/>
+          </a:fillRef>
+          <a:effectRef idx="0">
+            <a:schemeClr val="accent1"/>
+          </a:effectRef>
+          <a:fontRef idx="minor">
+            <a:schemeClr val="lt1"/>
+          </a:fontRef>
+        </p:style>
+        <p:txBody>
+          <a:bodyPr rtlCol="0" anchor="ctr"/>
+          <a:lstStyle/>
+          <a:p>
+            <a:pPr algn="ctr"/>
+            <a:r>
+              <a:rPr lang="sv-SE" dirty="0">
+                <a:solidFill>
+                  <a:schemeClr val="tx1"/>
+                </a:solidFill>
+              </a:rPr>
+              <a:t>GUI</a:t>
+            </a:r>
+          </a:p>
+        </p:txBody>
+      </p:sp>
+      <p:sp>
+        <p:nvSpPr>
+          <p:cNvPr id="10" name="Rektangel: rundade hörn 9">
+            <a:extLst>
+              <a:ext uri="{FF2B5EF4-FFF2-40B4-BE49-F238E27FC236}">
+                <a16:creationId xmlns:a16="http://schemas.microsoft.com/office/drawing/2014/main" id="{53C7FC5F-61E1-4201-99AA-F9BC3AA6E550}"/>
+              </a:ext>
+            </a:extLst>
+          </p:cNvPr>
+          <p:cNvSpPr/>
+          <p:nvPr/>
+        </p:nvSpPr>
+        <p:spPr>
+          <a:xfrm>
+            <a:off x="2210757" y="482691"/>
+            <a:ext cx="2054087" cy="755363"/>
+          </a:xfrm>
+          <a:prstGeom prst="roundRect">
+            <a:avLst/>
+          </a:prstGeom>
+          <a:solidFill>
+            <a:schemeClr val="accent1">
+              <a:lumMod val="20000"/>
+              <a:lumOff val="80000"/>
+            </a:schemeClr>
+          </a:solidFill>
+        </p:spPr>
+        <p:style>
+          <a:lnRef idx="2">
+            <a:schemeClr val="accent1">
+              <a:shade val="50000"/>
+            </a:schemeClr>
+          </a:lnRef>
+          <a:fillRef idx="1">
+            <a:schemeClr val="accent1"/>
+          </a:fillRef>
+          <a:effectRef idx="0">
+            <a:schemeClr val="accent1"/>
+          </a:effectRef>
+          <a:fontRef idx="minor">
+            <a:schemeClr val="lt1"/>
+          </a:fontRef>
+        </p:style>
+        <p:txBody>
+          <a:bodyPr rtlCol="0" anchor="ctr"/>
+          <a:lstStyle/>
+          <a:p>
+            <a:pPr algn="ctr"/>
+            <a:r>
+              <a:rPr lang="sv-SE" dirty="0" err="1">
+                <a:solidFill>
+                  <a:schemeClr val="tx1"/>
+                </a:solidFill>
+              </a:rPr>
+              <a:t>Plot</a:t>
+            </a:r>
+            <a:endParaRPr lang="sv-SE" dirty="0">
+              <a:solidFill>
+                <a:schemeClr val="tx1"/>
+              </a:solidFill>
+            </a:endParaRPr>
+          </a:p>
+        </p:txBody>
+      </p:sp>
+      <p:sp>
+        <p:nvSpPr>
+          <p:cNvPr id="29" name="Rektangel: rundade hörn 28">
+            <a:extLst>
+              <a:ext uri="{FF2B5EF4-FFF2-40B4-BE49-F238E27FC236}">
+                <a16:creationId xmlns:a16="http://schemas.microsoft.com/office/drawing/2014/main" id="{E44F15E3-9B75-476E-8D83-F56DF9C21055}"/>
+              </a:ext>
+            </a:extLst>
+          </p:cNvPr>
+          <p:cNvSpPr/>
+          <p:nvPr/>
+        </p:nvSpPr>
+        <p:spPr>
+          <a:xfrm>
+            <a:off x="702365" y="2871320"/>
+            <a:ext cx="7848147" cy="3293154"/>
+          </a:xfrm>
+          <a:prstGeom prst="roundRect">
+            <a:avLst/>
+          </a:prstGeom>
+          <a:solidFill>
+            <a:schemeClr val="bg2"/>
+          </a:solidFill>
+        </p:spPr>
+        <p:style>
+          <a:lnRef idx="2">
+            <a:schemeClr val="accent1">
+              <a:shade val="50000"/>
+            </a:schemeClr>
+          </a:lnRef>
+          <a:fillRef idx="1">
+            <a:schemeClr val="accent1"/>
+          </a:fillRef>
+          <a:effectRef idx="0">
+            <a:schemeClr val="accent1"/>
+          </a:effectRef>
+          <a:fontRef idx="minor">
+            <a:schemeClr val="lt1"/>
+          </a:fontRef>
+        </p:style>
+        <p:txBody>
+          <a:bodyPr rtlCol="0" anchor="ctr"/>
+          <a:lstStyle/>
+          <a:p>
+            <a:pPr algn="ctr"/>
+            <a:r>
+              <a:rPr lang="sv-SE" dirty="0" err="1"/>
+              <a:t>sdsd</a:t>
+            </a:r>
+            <a:endParaRPr lang="sv-SE" dirty="0"/>
+          </a:p>
+        </p:txBody>
+      </p:sp>
+      <p:sp>
+        <p:nvSpPr>
+          <p:cNvPr id="11" name="Rektangel: rundade hörn 10">
+            <a:extLst>
+              <a:ext uri="{FF2B5EF4-FFF2-40B4-BE49-F238E27FC236}">
+                <a16:creationId xmlns:a16="http://schemas.microsoft.com/office/drawing/2014/main" id="{4220952C-654C-43BA-A66C-12896E0DB9ED}"/>
+              </a:ext>
+            </a:extLst>
+          </p:cNvPr>
+          <p:cNvSpPr/>
+          <p:nvPr/>
+        </p:nvSpPr>
+        <p:spPr>
+          <a:xfrm>
+            <a:off x="4896885" y="1783064"/>
+            <a:ext cx="2054087" cy="755363"/>
+          </a:xfrm>
+          <a:prstGeom prst="roundRect">
+            <a:avLst/>
+          </a:prstGeom>
+          <a:solidFill>
+            <a:schemeClr val="accent1">
+              <a:lumMod val="20000"/>
+              <a:lumOff val="80000"/>
+            </a:schemeClr>
+          </a:solidFill>
+        </p:spPr>
+        <p:style>
+          <a:lnRef idx="2">
+            <a:schemeClr val="accent1">
+              <a:shade val="50000"/>
+            </a:schemeClr>
+          </a:lnRef>
+          <a:fillRef idx="1">
+            <a:schemeClr val="accent1"/>
+          </a:fillRef>
+          <a:effectRef idx="0">
+            <a:schemeClr val="accent1"/>
+          </a:effectRef>
+          <a:fontRef idx="minor">
+            <a:schemeClr val="lt1"/>
+          </a:fontRef>
+        </p:style>
+        <p:txBody>
+          <a:bodyPr rtlCol="0" anchor="ctr"/>
+          <a:lstStyle/>
+          <a:p>
+            <a:pPr algn="ctr"/>
+            <a:r>
+              <a:rPr lang="sv-SE" dirty="0" err="1">
+                <a:solidFill>
+                  <a:schemeClr val="tx1"/>
+                </a:solidFill>
+              </a:rPr>
+              <a:t>Coordinator</a:t>
+            </a:r>
+            <a:endParaRPr lang="sv-SE" dirty="0">
+              <a:solidFill>
+                <a:schemeClr val="tx1"/>
+              </a:solidFill>
+            </a:endParaRPr>
+          </a:p>
+        </p:txBody>
+      </p:sp>
+      <p:sp>
+        <p:nvSpPr>
+          <p:cNvPr id="12" name="Rektangel: rundade hörn 11">
+            <a:extLst>
+              <a:ext uri="{FF2B5EF4-FFF2-40B4-BE49-F238E27FC236}">
+                <a16:creationId xmlns:a16="http://schemas.microsoft.com/office/drawing/2014/main" id="{A74C28F1-2227-4CF2-8A80-071979C0E882}"/>
+              </a:ext>
+            </a:extLst>
+          </p:cNvPr>
+          <p:cNvSpPr/>
+          <p:nvPr/>
+        </p:nvSpPr>
+        <p:spPr>
+          <a:xfrm>
+            <a:off x="5476781" y="3007166"/>
+            <a:ext cx="2312505" cy="728856"/>
+          </a:xfrm>
+          <a:prstGeom prst="roundRect">
+            <a:avLst/>
+          </a:prstGeom>
+          <a:solidFill>
+            <a:schemeClr val="accent1">
+              <a:lumMod val="20000"/>
+              <a:lumOff val="80000"/>
+            </a:schemeClr>
+          </a:solidFill>
+        </p:spPr>
+        <p:style>
+          <a:lnRef idx="2">
+            <a:schemeClr val="accent1">
+              <a:shade val="50000"/>
+            </a:schemeClr>
+          </a:lnRef>
+          <a:fillRef idx="1">
+            <a:schemeClr val="accent1"/>
+          </a:fillRef>
+          <a:effectRef idx="0">
+            <a:schemeClr val="accent1"/>
+          </a:effectRef>
+          <a:fontRef idx="minor">
+            <a:schemeClr val="lt1"/>
+          </a:fontRef>
+        </p:style>
+        <p:txBody>
+          <a:bodyPr rtlCol="0" anchor="ctr"/>
+          <a:lstStyle/>
+          <a:p>
+            <a:pPr algn="ctr"/>
+            <a:r>
+              <a:rPr lang="sv-SE" dirty="0" err="1">
+                <a:solidFill>
+                  <a:schemeClr val="tx1"/>
+                </a:solidFill>
+              </a:rPr>
+              <a:t>SimulationManager</a:t>
+            </a:r>
+            <a:endParaRPr lang="sv-SE" dirty="0">
+              <a:solidFill>
+                <a:schemeClr val="tx1"/>
+              </a:solidFill>
+            </a:endParaRPr>
+          </a:p>
+        </p:txBody>
+      </p:sp>
+      <p:sp>
+        <p:nvSpPr>
+          <p:cNvPr id="20" name="Rektangel: rundade hörn 19">
+            <a:extLst>
+              <a:ext uri="{FF2B5EF4-FFF2-40B4-BE49-F238E27FC236}">
+                <a16:creationId xmlns:a16="http://schemas.microsoft.com/office/drawing/2014/main" id="{30E31739-51A9-47D9-9CE2-2DB66A8F1F37}"/>
+              </a:ext>
+            </a:extLst>
+          </p:cNvPr>
+          <p:cNvSpPr/>
+          <p:nvPr/>
+        </p:nvSpPr>
+        <p:spPr>
+          <a:xfrm>
+            <a:off x="1241637" y="3371594"/>
+            <a:ext cx="4002153" cy="2544365"/>
+          </a:xfrm>
+          <a:prstGeom prst="roundRect">
+            <a:avLst/>
+          </a:prstGeom>
+          <a:solidFill>
+            <a:schemeClr val="accent4">
+              <a:lumMod val="20000"/>
+              <a:lumOff val="80000"/>
+            </a:schemeClr>
+          </a:solidFill>
+        </p:spPr>
+        <p:style>
+          <a:lnRef idx="2">
+            <a:schemeClr val="accent1">
+              <a:shade val="50000"/>
+            </a:schemeClr>
+          </a:lnRef>
+          <a:fillRef idx="1">
+            <a:schemeClr val="accent1"/>
+          </a:fillRef>
+          <a:effectRef idx="0">
+            <a:schemeClr val="accent1"/>
+          </a:effectRef>
+          <a:fontRef idx="minor">
+            <a:schemeClr val="lt1"/>
+          </a:fontRef>
+        </p:style>
+        <p:txBody>
+          <a:bodyPr rtlCol="0" anchor="ctr"/>
+          <a:lstStyle/>
+          <a:p>
+            <a:pPr algn="ctr"/>
+            <a:endParaRPr lang="sv-SE" dirty="0">
+              <a:solidFill>
+                <a:schemeClr val="tx1"/>
+              </a:solidFill>
+            </a:endParaRPr>
+          </a:p>
+        </p:txBody>
+      </p:sp>
+      <p:sp>
+        <p:nvSpPr>
+          <p:cNvPr id="21" name="Rektangel: rundade hörn 20">
+            <a:extLst>
+              <a:ext uri="{FF2B5EF4-FFF2-40B4-BE49-F238E27FC236}">
+                <a16:creationId xmlns:a16="http://schemas.microsoft.com/office/drawing/2014/main" id="{3290F599-52C8-4D3F-A9FF-4E34790FAEA7}"/>
+              </a:ext>
+            </a:extLst>
+          </p:cNvPr>
+          <p:cNvSpPr/>
+          <p:nvPr/>
+        </p:nvSpPr>
+        <p:spPr>
+          <a:xfrm>
+            <a:off x="3850645" y="3864891"/>
+            <a:ext cx="1160109" cy="728856"/>
+          </a:xfrm>
+          <a:prstGeom prst="roundRect">
+            <a:avLst/>
+          </a:prstGeom>
+          <a:solidFill>
+            <a:schemeClr val="accent1">
+              <a:lumMod val="20000"/>
+              <a:lumOff val="80000"/>
+            </a:schemeClr>
+          </a:solidFill>
+        </p:spPr>
+        <p:style>
+          <a:lnRef idx="2">
+            <a:schemeClr val="accent1">
+              <a:shade val="50000"/>
+            </a:schemeClr>
+          </a:lnRef>
+          <a:fillRef idx="1">
+            <a:schemeClr val="accent1"/>
+          </a:fillRef>
+          <a:effectRef idx="0">
+            <a:schemeClr val="accent1"/>
+          </a:effectRef>
+          <a:fontRef idx="minor">
+            <a:schemeClr val="lt1"/>
+          </a:fontRef>
+        </p:style>
+        <p:txBody>
+          <a:bodyPr rtlCol="0" anchor="ctr"/>
+          <a:lstStyle/>
+          <a:p>
+            <a:pPr algn="ctr"/>
+            <a:r>
+              <a:rPr lang="sv-SE" dirty="0" err="1">
+                <a:solidFill>
+                  <a:schemeClr val="tx1"/>
+                </a:solidFill>
+              </a:rPr>
+              <a:t>Searcher</a:t>
+            </a:r>
+            <a:endParaRPr lang="sv-SE" dirty="0">
+              <a:solidFill>
+                <a:schemeClr val="tx1"/>
+              </a:solidFill>
+            </a:endParaRPr>
+          </a:p>
+        </p:txBody>
+      </p:sp>
+      <p:sp>
+        <p:nvSpPr>
+          <p:cNvPr id="22" name="textruta 21">
+            <a:extLst>
+              <a:ext uri="{FF2B5EF4-FFF2-40B4-BE49-F238E27FC236}">
+                <a16:creationId xmlns:a16="http://schemas.microsoft.com/office/drawing/2014/main" id="{358A1372-D46C-4343-AA27-9369B03F1DC4}"/>
+              </a:ext>
+            </a:extLst>
+          </p:cNvPr>
+          <p:cNvSpPr txBox="1"/>
+          <p:nvPr/>
+        </p:nvSpPr>
+        <p:spPr>
+          <a:xfrm>
+            <a:off x="1365749" y="3496144"/>
+            <a:ext cx="1063034" cy="369332"/>
+          </a:xfrm>
+          <a:prstGeom prst="rect">
+            <a:avLst/>
+          </a:prstGeom>
+          <a:noFill/>
+        </p:spPr>
+        <p:txBody>
+          <a:bodyPr wrap="square" rtlCol="0">
+            <a:spAutoFit/>
+          </a:bodyPr>
+          <a:lstStyle/>
+          <a:p>
+            <a:r>
+              <a:rPr lang="sv-SE" dirty="0"/>
+              <a:t>scientist</a:t>
+            </a:r>
+          </a:p>
+        </p:txBody>
+      </p:sp>
+      <p:sp>
+        <p:nvSpPr>
+          <p:cNvPr id="23" name="Rektangel: rundade hörn 22">
+            <a:extLst>
+              <a:ext uri="{FF2B5EF4-FFF2-40B4-BE49-F238E27FC236}">
+                <a16:creationId xmlns:a16="http://schemas.microsoft.com/office/drawing/2014/main" id="{4107D9FD-C19C-4C42-80B5-32A211077F60}"/>
+              </a:ext>
+            </a:extLst>
+          </p:cNvPr>
+          <p:cNvSpPr/>
+          <p:nvPr/>
+        </p:nvSpPr>
+        <p:spPr>
+          <a:xfrm>
+            <a:off x="5415683" y="4133609"/>
+            <a:ext cx="2729944" cy="1271168"/>
+          </a:xfrm>
+          <a:prstGeom prst="roundRect">
+            <a:avLst/>
+          </a:prstGeom>
+          <a:solidFill>
+            <a:schemeClr val="accent4">
+              <a:lumMod val="20000"/>
+              <a:lumOff val="80000"/>
+            </a:schemeClr>
+          </a:solidFill>
+        </p:spPr>
+        <p:style>
+          <a:lnRef idx="2">
+            <a:schemeClr val="accent1">
+              <a:shade val="50000"/>
+            </a:schemeClr>
+          </a:lnRef>
+          <a:fillRef idx="1">
+            <a:schemeClr val="accent1"/>
+          </a:fillRef>
+          <a:effectRef idx="0">
+            <a:schemeClr val="accent1"/>
+          </a:effectRef>
+          <a:fontRef idx="minor">
+            <a:schemeClr val="lt1"/>
+          </a:fontRef>
+        </p:style>
+        <p:txBody>
+          <a:bodyPr rtlCol="0" anchor="ctr"/>
+          <a:lstStyle/>
+          <a:p>
+            <a:pPr algn="ctr"/>
+            <a:endParaRPr lang="sv-SE" dirty="0">
+              <a:solidFill>
+                <a:schemeClr val="tx1"/>
+              </a:solidFill>
+            </a:endParaRPr>
+          </a:p>
+        </p:txBody>
+      </p:sp>
+      <p:sp>
+        <p:nvSpPr>
+          <p:cNvPr id="25" name="textruta 24">
+            <a:extLst>
+              <a:ext uri="{FF2B5EF4-FFF2-40B4-BE49-F238E27FC236}">
+                <a16:creationId xmlns:a16="http://schemas.microsoft.com/office/drawing/2014/main" id="{E457FEDD-1560-4364-BEAD-2CE8D1495935}"/>
+              </a:ext>
+            </a:extLst>
+          </p:cNvPr>
+          <p:cNvSpPr txBox="1"/>
+          <p:nvPr/>
+        </p:nvSpPr>
+        <p:spPr>
+          <a:xfrm>
+            <a:off x="5434780" y="4180678"/>
+            <a:ext cx="1835824" cy="369332"/>
+          </a:xfrm>
+          <a:prstGeom prst="rect">
+            <a:avLst/>
+          </a:prstGeom>
+          <a:noFill/>
+        </p:spPr>
+        <p:txBody>
+          <a:bodyPr wrap="none" rtlCol="0">
+            <a:spAutoFit/>
+          </a:bodyPr>
+          <a:lstStyle/>
+          <a:p>
+            <a:r>
+              <a:rPr lang="sv-SE" dirty="0" err="1"/>
+              <a:t>captainIntegrator</a:t>
+            </a:r>
+            <a:endParaRPr lang="sv-SE" dirty="0"/>
+          </a:p>
+        </p:txBody>
+      </p:sp>
+      <p:sp>
+        <p:nvSpPr>
+          <p:cNvPr id="26" name="Rektangel: rundade hörn 25">
+            <a:extLst>
+              <a:ext uri="{FF2B5EF4-FFF2-40B4-BE49-F238E27FC236}">
+                <a16:creationId xmlns:a16="http://schemas.microsoft.com/office/drawing/2014/main" id="{9632AA52-22C9-46FB-806C-D475490FC7D0}"/>
+              </a:ext>
+            </a:extLst>
+          </p:cNvPr>
+          <p:cNvSpPr/>
+          <p:nvPr/>
+        </p:nvSpPr>
+        <p:spPr>
+          <a:xfrm>
+            <a:off x="6352692" y="4612965"/>
+            <a:ext cx="1160109" cy="728856"/>
+          </a:xfrm>
+          <a:prstGeom prst="roundRect">
+            <a:avLst/>
+          </a:prstGeom>
+          <a:solidFill>
+            <a:schemeClr val="accent1">
+              <a:lumMod val="20000"/>
+              <a:lumOff val="80000"/>
+            </a:schemeClr>
+          </a:solidFill>
+        </p:spPr>
+        <p:style>
+          <a:lnRef idx="2">
+            <a:schemeClr val="accent1">
+              <a:shade val="50000"/>
+            </a:schemeClr>
+          </a:lnRef>
+          <a:fillRef idx="1">
+            <a:schemeClr val="accent1"/>
+          </a:fillRef>
+          <a:effectRef idx="0">
+            <a:schemeClr val="accent1"/>
+          </a:effectRef>
+          <a:fontRef idx="minor">
+            <a:schemeClr val="lt1"/>
+          </a:fontRef>
+        </p:style>
+        <p:txBody>
+          <a:bodyPr rtlCol="0" anchor="ctr"/>
+          <a:lstStyle/>
+          <a:p>
+            <a:pPr algn="ctr"/>
+            <a:r>
+              <a:rPr lang="sv-SE" dirty="0" err="1">
+                <a:solidFill>
+                  <a:schemeClr val="tx1"/>
+                </a:solidFill>
+              </a:rPr>
+              <a:t>Vehicle</a:t>
+            </a:r>
+            <a:endParaRPr lang="sv-SE" dirty="0">
+              <a:solidFill>
+                <a:schemeClr val="tx1"/>
+              </a:solidFill>
+            </a:endParaRPr>
+          </a:p>
+        </p:txBody>
+      </p:sp>
+      <p:sp>
+        <p:nvSpPr>
+          <p:cNvPr id="27" name="Rektangel: rundade hörn 26">
+            <a:extLst>
+              <a:ext uri="{FF2B5EF4-FFF2-40B4-BE49-F238E27FC236}">
+                <a16:creationId xmlns:a16="http://schemas.microsoft.com/office/drawing/2014/main" id="{3FC68252-5A91-441C-A096-11A57B4F8036}"/>
+              </a:ext>
+            </a:extLst>
+          </p:cNvPr>
+          <p:cNvSpPr/>
+          <p:nvPr/>
+        </p:nvSpPr>
+        <p:spPr>
+          <a:xfrm>
+            <a:off x="1491139" y="3980804"/>
+            <a:ext cx="2077361" cy="728856"/>
+          </a:xfrm>
+          <a:prstGeom prst="roundRect">
+            <a:avLst/>
+          </a:prstGeom>
+          <a:solidFill>
+            <a:schemeClr val="accent1">
+              <a:lumMod val="20000"/>
+              <a:lumOff val="80000"/>
+            </a:schemeClr>
+          </a:solidFill>
+        </p:spPr>
+        <p:style>
+          <a:lnRef idx="2">
+            <a:schemeClr val="accent1">
+              <a:shade val="50000"/>
+            </a:schemeClr>
+          </a:lnRef>
+          <a:fillRef idx="1">
+            <a:schemeClr val="accent1"/>
+          </a:fillRef>
+          <a:effectRef idx="0">
+            <a:schemeClr val="accent1"/>
+          </a:effectRef>
+          <a:fontRef idx="minor">
+            <a:schemeClr val="lt1"/>
+          </a:fontRef>
+        </p:style>
+        <p:txBody>
+          <a:bodyPr rtlCol="0" anchor="ctr"/>
+          <a:lstStyle/>
+          <a:p>
+            <a:pPr algn="ctr"/>
+            <a:r>
+              <a:rPr lang="sv-SE" dirty="0" err="1">
+                <a:solidFill>
+                  <a:schemeClr val="tx1"/>
+                </a:solidFill>
+              </a:rPr>
+              <a:t>NavigationStrategy</a:t>
+            </a:r>
+            <a:endParaRPr lang="sv-SE" dirty="0">
+              <a:solidFill>
+                <a:schemeClr val="tx1"/>
+              </a:solidFill>
+            </a:endParaRPr>
+          </a:p>
+        </p:txBody>
+      </p:sp>
+      <p:sp>
+        <p:nvSpPr>
+          <p:cNvPr id="28" name="Rektangel: rundade hörn 27">
+            <a:extLst>
+              <a:ext uri="{FF2B5EF4-FFF2-40B4-BE49-F238E27FC236}">
+                <a16:creationId xmlns:a16="http://schemas.microsoft.com/office/drawing/2014/main" id="{BF8EACD8-F9FC-4E5F-A1A7-BBBEC2423B5E}"/>
+              </a:ext>
+            </a:extLst>
+          </p:cNvPr>
+          <p:cNvSpPr/>
+          <p:nvPr/>
+        </p:nvSpPr>
+        <p:spPr>
+          <a:xfrm>
+            <a:off x="2080298" y="4918169"/>
+            <a:ext cx="1398649" cy="728856"/>
+          </a:xfrm>
+          <a:prstGeom prst="roundRect">
+            <a:avLst/>
+          </a:prstGeom>
+          <a:solidFill>
+            <a:schemeClr val="accent1">
+              <a:lumMod val="20000"/>
+              <a:lumOff val="80000"/>
+            </a:schemeClr>
+          </a:solidFill>
+        </p:spPr>
+        <p:style>
+          <a:lnRef idx="2">
+            <a:schemeClr val="accent1">
+              <a:shade val="50000"/>
+            </a:schemeClr>
+          </a:lnRef>
+          <a:fillRef idx="1">
+            <a:schemeClr val="accent1"/>
+          </a:fillRef>
+          <a:effectRef idx="0">
+            <a:schemeClr val="accent1"/>
+          </a:effectRef>
+          <a:fontRef idx="minor">
+            <a:schemeClr val="lt1"/>
+          </a:fontRef>
+        </p:style>
+        <p:txBody>
+          <a:bodyPr rtlCol="0" anchor="ctr"/>
+          <a:lstStyle/>
+          <a:p>
+            <a:pPr algn="ctr"/>
+            <a:r>
+              <a:rPr lang="sv-SE" dirty="0" err="1">
+                <a:solidFill>
+                  <a:schemeClr val="tx1"/>
+                </a:solidFill>
+              </a:rPr>
+              <a:t>Searcharea</a:t>
+            </a:r>
+            <a:endParaRPr lang="sv-SE" dirty="0">
+              <a:solidFill>
+                <a:schemeClr val="tx1"/>
+              </a:solidFill>
+            </a:endParaRPr>
+          </a:p>
+        </p:txBody>
+      </p:sp>
+      <p:sp>
+        <p:nvSpPr>
+          <p:cNvPr id="30" name="textruta 29">
+            <a:extLst>
+              <a:ext uri="{FF2B5EF4-FFF2-40B4-BE49-F238E27FC236}">
+                <a16:creationId xmlns:a16="http://schemas.microsoft.com/office/drawing/2014/main" id="{0195143A-D4B2-4934-B74D-F6E05C7A8854}"/>
+              </a:ext>
+            </a:extLst>
+          </p:cNvPr>
+          <p:cNvSpPr txBox="1"/>
+          <p:nvPr/>
+        </p:nvSpPr>
+        <p:spPr>
+          <a:xfrm>
+            <a:off x="1014909" y="2939518"/>
+            <a:ext cx="1764714" cy="369332"/>
+          </a:xfrm>
+          <a:prstGeom prst="rect">
+            <a:avLst/>
+          </a:prstGeom>
+          <a:noFill/>
+        </p:spPr>
+        <p:txBody>
+          <a:bodyPr wrap="none" rtlCol="0">
+            <a:spAutoFit/>
+          </a:bodyPr>
+          <a:lstStyle/>
+          <a:p>
+            <a:r>
+              <a:rPr lang="sv-SE" dirty="0" err="1"/>
+              <a:t>simulationmodel</a:t>
+            </a:r>
+            <a:endParaRPr lang="sv-SE" dirty="0"/>
+          </a:p>
+        </p:txBody>
+      </p:sp>
+      <p:sp>
+        <p:nvSpPr>
+          <p:cNvPr id="32" name="textruta 31">
+            <a:extLst>
+              <a:ext uri="{FF2B5EF4-FFF2-40B4-BE49-F238E27FC236}">
+                <a16:creationId xmlns:a16="http://schemas.microsoft.com/office/drawing/2014/main" id="{6732ED7F-168F-4C1A-A049-DC1E534E224C}"/>
+              </a:ext>
+            </a:extLst>
+          </p:cNvPr>
+          <p:cNvSpPr txBox="1"/>
+          <p:nvPr/>
+        </p:nvSpPr>
+        <p:spPr>
+          <a:xfrm>
+            <a:off x="1114364" y="214574"/>
+            <a:ext cx="621132" cy="369332"/>
+          </a:xfrm>
+          <a:prstGeom prst="rect">
+            <a:avLst/>
+          </a:prstGeom>
+          <a:noFill/>
+        </p:spPr>
+        <p:txBody>
+          <a:bodyPr wrap="none" rtlCol="0">
+            <a:spAutoFit/>
+          </a:bodyPr>
+          <a:lstStyle/>
+          <a:p>
+            <a:r>
+              <a:rPr lang="sv-SE" dirty="0" err="1"/>
+              <a:t>view</a:t>
+            </a:r>
+            <a:endParaRPr lang="sv-SE" dirty="0"/>
+          </a:p>
+        </p:txBody>
+      </p:sp>
+      <p:sp>
+        <p:nvSpPr>
+          <p:cNvPr id="34" name="textruta 33">
+            <a:extLst>
+              <a:ext uri="{FF2B5EF4-FFF2-40B4-BE49-F238E27FC236}">
+                <a16:creationId xmlns:a16="http://schemas.microsoft.com/office/drawing/2014/main" id="{931D3A96-2D46-49F5-B713-84A805DDBF96}"/>
+              </a:ext>
+            </a:extLst>
+          </p:cNvPr>
+          <p:cNvSpPr txBox="1"/>
+          <p:nvPr/>
+        </p:nvSpPr>
+        <p:spPr>
+          <a:xfrm>
+            <a:off x="2572130" y="1646187"/>
+            <a:ext cx="1282915" cy="369332"/>
+          </a:xfrm>
+          <a:prstGeom prst="rect">
+            <a:avLst/>
+          </a:prstGeom>
+          <a:noFill/>
+        </p:spPr>
+        <p:txBody>
+          <a:bodyPr wrap="none" rtlCol="0">
+            <a:spAutoFit/>
+          </a:bodyPr>
+          <a:lstStyle/>
+          <a:p>
+            <a:r>
+              <a:rPr lang="sv-SE" dirty="0" err="1"/>
+              <a:t>coordinator</a:t>
+            </a:r>
+            <a:endParaRPr lang="sv-SE" dirty="0"/>
+          </a:p>
+        </p:txBody>
+      </p:sp>
+      <p:cxnSp>
+        <p:nvCxnSpPr>
+          <p:cNvPr id="38" name="Rak koppling 37">
+            <a:extLst>
+              <a:ext uri="{FF2B5EF4-FFF2-40B4-BE49-F238E27FC236}">
+                <a16:creationId xmlns:a16="http://schemas.microsoft.com/office/drawing/2014/main" id="{4A831BA1-66FF-4D04-9BB4-E5AB6B7504A9}"/>
+              </a:ext>
+            </a:extLst>
+          </p:cNvPr>
+          <p:cNvCxnSpPr>
+            <a:cxnSpLocks/>
+          </p:cNvCxnSpPr>
+          <p:nvPr/>
+        </p:nvCxnSpPr>
+        <p:spPr>
+          <a:xfrm>
+            <a:off x="649356" y="1472168"/>
+            <a:ext cx="7496271" cy="0"/>
+          </a:xfrm>
+          <a:prstGeom prst="line">
+            <a:avLst/>
+          </a:prstGeom>
+        </p:spPr>
+        <p:style>
+          <a:lnRef idx="1">
+            <a:schemeClr val="accent1"/>
+          </a:lnRef>
+          <a:fillRef idx="0">
+            <a:schemeClr val="accent1"/>
+          </a:fillRef>
+          <a:effectRef idx="0">
+            <a:schemeClr val="accent1"/>
+          </a:effectRef>
+          <a:fontRef idx="minor">
+            <a:schemeClr val="tx1"/>
+          </a:fontRef>
+        </p:style>
+      </p:cxnSp>
+      <p:cxnSp>
+        <p:nvCxnSpPr>
+          <p:cNvPr id="40" name="Rak koppling 39">
+            <a:extLst>
+              <a:ext uri="{FF2B5EF4-FFF2-40B4-BE49-F238E27FC236}">
+                <a16:creationId xmlns:a16="http://schemas.microsoft.com/office/drawing/2014/main" id="{AD5DA042-E5D5-489C-B527-A8E08771AF0D}"/>
+              </a:ext>
+            </a:extLst>
+          </p:cNvPr>
+          <p:cNvCxnSpPr/>
+          <p:nvPr/>
+        </p:nvCxnSpPr>
+        <p:spPr>
+          <a:xfrm>
+            <a:off x="8726552" y="2866800"/>
+            <a:ext cx="0" cy="3580552"/>
+          </a:xfrm>
+          <a:prstGeom prst="line">
+            <a:avLst/>
+          </a:prstGeom>
+        </p:spPr>
+        <p:style>
+          <a:lnRef idx="1">
+            <a:schemeClr val="accent1"/>
+          </a:lnRef>
+          <a:fillRef idx="0">
+            <a:schemeClr val="accent1"/>
+          </a:fillRef>
+          <a:effectRef idx="0">
+            <a:schemeClr val="accent1"/>
+          </a:effectRef>
+          <a:fontRef idx="minor">
+            <a:schemeClr val="tx1"/>
+          </a:fontRef>
+        </p:style>
+      </p:cxnSp>
+      <p:sp>
+        <p:nvSpPr>
+          <p:cNvPr id="41" name="Rektangel: rundade hörn 40">
+            <a:extLst>
+              <a:ext uri="{FF2B5EF4-FFF2-40B4-BE49-F238E27FC236}">
+                <a16:creationId xmlns:a16="http://schemas.microsoft.com/office/drawing/2014/main" id="{F1098EAE-B8F9-4715-8BA5-BB9A60F5F352}"/>
+              </a:ext>
+            </a:extLst>
+          </p:cNvPr>
+          <p:cNvSpPr/>
+          <p:nvPr/>
+        </p:nvSpPr>
+        <p:spPr>
+          <a:xfrm>
+            <a:off x="8885578" y="3007166"/>
+            <a:ext cx="2710058" cy="3274361"/>
+          </a:xfrm>
+          <a:prstGeom prst="roundRect">
+            <a:avLst/>
+          </a:prstGeom>
+          <a:solidFill>
+            <a:schemeClr val="bg2"/>
+          </a:solidFill>
+        </p:spPr>
+        <p:style>
+          <a:lnRef idx="2">
+            <a:schemeClr val="accent1">
+              <a:shade val="50000"/>
+            </a:schemeClr>
+          </a:lnRef>
+          <a:fillRef idx="1">
+            <a:schemeClr val="accent1"/>
+          </a:fillRef>
+          <a:effectRef idx="0">
+            <a:schemeClr val="accent1"/>
+          </a:effectRef>
+          <a:fontRef idx="minor">
+            <a:schemeClr val="lt1"/>
+          </a:fontRef>
+        </p:style>
+        <p:txBody>
+          <a:bodyPr rtlCol="0" anchor="ctr"/>
+          <a:lstStyle/>
+          <a:p>
+            <a:pPr algn="ctr"/>
+            <a:endParaRPr lang="sv-SE"/>
+          </a:p>
+        </p:txBody>
+      </p:sp>
+      <p:sp>
+        <p:nvSpPr>
+          <p:cNvPr id="42" name="textruta 41">
+            <a:extLst>
+              <a:ext uri="{FF2B5EF4-FFF2-40B4-BE49-F238E27FC236}">
+                <a16:creationId xmlns:a16="http://schemas.microsoft.com/office/drawing/2014/main" id="{C2A6B74E-4FCA-4C78-B645-A0239CBDB418}"/>
+              </a:ext>
+            </a:extLst>
+          </p:cNvPr>
+          <p:cNvSpPr txBox="1"/>
+          <p:nvPr/>
+        </p:nvSpPr>
+        <p:spPr>
+          <a:xfrm>
+            <a:off x="9027070" y="3126812"/>
+            <a:ext cx="1213537" cy="369332"/>
+          </a:xfrm>
+          <a:prstGeom prst="rect">
+            <a:avLst/>
+          </a:prstGeom>
+          <a:noFill/>
+        </p:spPr>
+        <p:txBody>
+          <a:bodyPr wrap="none" rtlCol="0">
+            <a:spAutoFit/>
+          </a:bodyPr>
+          <a:lstStyle/>
+          <a:p>
+            <a:r>
+              <a:rPr lang="sv-SE" dirty="0"/>
+              <a:t>integration</a:t>
+            </a:r>
+          </a:p>
+        </p:txBody>
+      </p:sp>
+      <p:sp>
+        <p:nvSpPr>
+          <p:cNvPr id="43" name="Rektangel: rundade hörn 42">
+            <a:extLst>
+              <a:ext uri="{FF2B5EF4-FFF2-40B4-BE49-F238E27FC236}">
+                <a16:creationId xmlns:a16="http://schemas.microsoft.com/office/drawing/2014/main" id="{15D91284-2427-4780-A8C3-CF624631D027}"/>
+              </a:ext>
+            </a:extLst>
+          </p:cNvPr>
+          <p:cNvSpPr/>
+          <p:nvPr/>
+        </p:nvSpPr>
+        <p:spPr>
+          <a:xfrm>
+            <a:off x="9124633" y="4925885"/>
+            <a:ext cx="1643270" cy="957784"/>
+          </a:xfrm>
+          <a:prstGeom prst="roundRect">
+            <a:avLst/>
+          </a:prstGeom>
+          <a:solidFill>
+            <a:schemeClr val="tx2">
+              <a:lumMod val="20000"/>
+              <a:lumOff val="80000"/>
+            </a:schemeClr>
+          </a:solidFill>
+        </p:spPr>
+        <p:style>
+          <a:lnRef idx="2">
+            <a:schemeClr val="accent1">
+              <a:shade val="50000"/>
+            </a:schemeClr>
+          </a:lnRef>
+          <a:fillRef idx="1">
+            <a:schemeClr val="accent1"/>
+          </a:fillRef>
+          <a:effectRef idx="0">
+            <a:schemeClr val="accent1"/>
+          </a:effectRef>
+          <a:fontRef idx="minor">
+            <a:schemeClr val="lt1"/>
+          </a:fontRef>
+        </p:style>
+        <p:txBody>
+          <a:bodyPr rtlCol="0" anchor="ctr"/>
+          <a:lstStyle/>
+          <a:p>
+            <a:pPr algn="ctr"/>
+            <a:r>
+              <a:rPr lang="sv-SE" dirty="0" err="1">
+                <a:solidFill>
+                  <a:schemeClr val="tx1"/>
+                </a:solidFill>
+              </a:rPr>
+              <a:t>ROSIntegrator</a:t>
+            </a:r>
+            <a:endParaRPr lang="sv-SE" dirty="0">
+              <a:solidFill>
+                <a:schemeClr val="tx1"/>
+              </a:solidFill>
+            </a:endParaRPr>
+          </a:p>
+        </p:txBody>
+      </p:sp>
+      <p:cxnSp>
+        <p:nvCxnSpPr>
+          <p:cNvPr id="45" name="Rak pilkoppling 44">
+            <a:extLst>
+              <a:ext uri="{FF2B5EF4-FFF2-40B4-BE49-F238E27FC236}">
+                <a16:creationId xmlns:a16="http://schemas.microsoft.com/office/drawing/2014/main" id="{8773FB19-5D42-4735-8D05-43D9A7F993D3}"/>
+              </a:ext>
+            </a:extLst>
+          </p:cNvPr>
+          <p:cNvCxnSpPr>
+            <a:stCxn id="9" idx="2"/>
+            <a:endCxn id="11" idx="0"/>
+          </p:cNvCxnSpPr>
+          <p:nvPr/>
+        </p:nvCxnSpPr>
+        <p:spPr>
+          <a:xfrm>
+            <a:off x="5858138" y="1247453"/>
+            <a:ext cx="65791" cy="535611"/>
+          </a:xfrm>
+          <a:prstGeom prst="straightConnector1">
+            <a:avLst/>
+          </a:prstGeom>
+          <a:ln w="9525" cap="flat" cmpd="sng" algn="ctr">
+            <a:solidFill>
+              <a:schemeClr val="dk1"/>
+            </a:solidFill>
+            <a:prstDash val="solid"/>
+            <a:round/>
+            <a:headEnd type="none" w="med" len="med"/>
+            <a:tailEnd type="arrow" w="med" len="med"/>
+          </a:ln>
+        </p:spPr>
+        <p:style>
+          <a:lnRef idx="0">
+            <a:scrgbClr r="0" g="0" b="0"/>
+          </a:lnRef>
+          <a:fillRef idx="0">
+            <a:scrgbClr r="0" g="0" b="0"/>
+          </a:fillRef>
+          <a:effectRef idx="0">
+            <a:scrgbClr r="0" g="0" b="0"/>
+          </a:effectRef>
+          <a:fontRef idx="minor">
+            <a:schemeClr val="tx1"/>
+          </a:fontRef>
+        </p:style>
+      </p:cxnSp>
+      <p:cxnSp>
+        <p:nvCxnSpPr>
+          <p:cNvPr id="48" name="Rak pilkoppling 47">
+            <a:extLst>
+              <a:ext uri="{FF2B5EF4-FFF2-40B4-BE49-F238E27FC236}">
+                <a16:creationId xmlns:a16="http://schemas.microsoft.com/office/drawing/2014/main" id="{E17E1329-74B7-4AEF-A035-61DA7F3F676B}"/>
+              </a:ext>
+            </a:extLst>
+          </p:cNvPr>
+          <p:cNvCxnSpPr>
+            <a:cxnSpLocks/>
+            <a:stCxn id="9" idx="1"/>
+            <a:endCxn id="10" idx="3"/>
+          </p:cNvCxnSpPr>
+          <p:nvPr/>
+        </p:nvCxnSpPr>
+        <p:spPr>
+          <a:xfrm flipH="1" flipV="1">
+            <a:off x="4264844" y="860373"/>
+            <a:ext cx="566250" cy="9399"/>
+          </a:xfrm>
+          <a:prstGeom prst="straightConnector1">
+            <a:avLst/>
+          </a:prstGeom>
+          <a:ln w="9525" cap="flat" cmpd="sng" algn="ctr">
+            <a:solidFill>
+              <a:schemeClr val="dk1"/>
+            </a:solidFill>
+            <a:prstDash val="solid"/>
+            <a:round/>
+            <a:headEnd type="none" w="med" len="med"/>
+            <a:tailEnd type="arrow" w="med" len="med"/>
+          </a:ln>
+        </p:spPr>
+        <p:style>
+          <a:lnRef idx="0">
+            <a:scrgbClr r="0" g="0" b="0"/>
+          </a:lnRef>
+          <a:fillRef idx="0">
+            <a:scrgbClr r="0" g="0" b="0"/>
+          </a:fillRef>
+          <a:effectRef idx="0">
+            <a:scrgbClr r="0" g="0" b="0"/>
+          </a:effectRef>
+          <a:fontRef idx="minor">
+            <a:schemeClr val="tx1"/>
+          </a:fontRef>
+        </p:style>
+      </p:cxnSp>
+      <p:cxnSp>
+        <p:nvCxnSpPr>
+          <p:cNvPr id="50" name="Rak pilkoppling 49">
+            <a:extLst>
+              <a:ext uri="{FF2B5EF4-FFF2-40B4-BE49-F238E27FC236}">
+                <a16:creationId xmlns:a16="http://schemas.microsoft.com/office/drawing/2014/main" id="{C21F189F-933D-4611-9A55-6E387F3C5692}"/>
+              </a:ext>
+            </a:extLst>
+          </p:cNvPr>
+          <p:cNvCxnSpPr>
+            <a:stCxn id="11" idx="2"/>
+            <a:endCxn id="12" idx="0"/>
+          </p:cNvCxnSpPr>
+          <p:nvPr/>
+        </p:nvCxnSpPr>
+        <p:spPr>
+          <a:xfrm>
+            <a:off x="5923929" y="2538427"/>
+            <a:ext cx="709105" cy="468739"/>
+          </a:xfrm>
+          <a:prstGeom prst="straightConnector1">
+            <a:avLst/>
+          </a:prstGeom>
+          <a:ln w="9525" cap="flat" cmpd="sng" algn="ctr">
+            <a:solidFill>
+              <a:schemeClr val="dk1"/>
+            </a:solidFill>
+            <a:prstDash val="solid"/>
+            <a:round/>
+            <a:headEnd type="none" w="med" len="med"/>
+            <a:tailEnd type="arrow" w="med" len="med"/>
+          </a:ln>
+        </p:spPr>
+        <p:style>
+          <a:lnRef idx="0">
+            <a:scrgbClr r="0" g="0" b="0"/>
+          </a:lnRef>
+          <a:fillRef idx="0">
+            <a:scrgbClr r="0" g="0" b="0"/>
+          </a:fillRef>
+          <a:effectRef idx="0">
+            <a:scrgbClr r="0" g="0" b="0"/>
+          </a:effectRef>
+          <a:fontRef idx="minor">
+            <a:schemeClr val="tx1"/>
+          </a:fontRef>
+        </p:style>
+      </p:cxnSp>
+      <p:cxnSp>
+        <p:nvCxnSpPr>
+          <p:cNvPr id="52" name="Rak pilkoppling 51">
+            <a:extLst>
+              <a:ext uri="{FF2B5EF4-FFF2-40B4-BE49-F238E27FC236}">
+                <a16:creationId xmlns:a16="http://schemas.microsoft.com/office/drawing/2014/main" id="{B5D40AE9-ED1D-4B56-B7BE-EC9FA8DE4FE7}"/>
+              </a:ext>
+            </a:extLst>
+          </p:cNvPr>
+          <p:cNvCxnSpPr>
+            <a:cxnSpLocks/>
+            <a:stCxn id="12" idx="1"/>
+            <a:endCxn id="21" idx="0"/>
+          </p:cNvCxnSpPr>
+          <p:nvPr/>
+        </p:nvCxnSpPr>
+        <p:spPr>
+          <a:xfrm flipH="1">
+            <a:off x="4430700" y="3371594"/>
+            <a:ext cx="1046081" cy="493297"/>
+          </a:xfrm>
+          <a:prstGeom prst="straightConnector1">
+            <a:avLst/>
+          </a:prstGeom>
+          <a:ln w="9525" cap="flat" cmpd="sng" algn="ctr">
+            <a:solidFill>
+              <a:schemeClr val="dk1"/>
+            </a:solidFill>
+            <a:prstDash val="solid"/>
+            <a:round/>
+            <a:headEnd type="none" w="med" len="med"/>
+            <a:tailEnd type="arrow" w="med" len="med"/>
+          </a:ln>
+        </p:spPr>
+        <p:style>
+          <a:lnRef idx="0">
+            <a:scrgbClr r="0" g="0" b="0"/>
+          </a:lnRef>
+          <a:fillRef idx="0">
+            <a:scrgbClr r="0" g="0" b="0"/>
+          </a:fillRef>
+          <a:effectRef idx="0">
+            <a:scrgbClr r="0" g="0" b="0"/>
+          </a:effectRef>
+          <a:fontRef idx="minor">
+            <a:schemeClr val="tx1"/>
+          </a:fontRef>
+        </p:style>
+      </p:cxnSp>
+      <p:cxnSp>
+        <p:nvCxnSpPr>
+          <p:cNvPr id="54" name="Rak pilkoppling 53">
+            <a:extLst>
+              <a:ext uri="{FF2B5EF4-FFF2-40B4-BE49-F238E27FC236}">
+                <a16:creationId xmlns:a16="http://schemas.microsoft.com/office/drawing/2014/main" id="{4FEBE62D-7871-494E-A133-EFA95A8C6D66}"/>
+              </a:ext>
+            </a:extLst>
+          </p:cNvPr>
+          <p:cNvCxnSpPr>
+            <a:cxnSpLocks/>
+            <a:stCxn id="21" idx="1"/>
+            <a:endCxn id="27" idx="3"/>
+          </p:cNvCxnSpPr>
+          <p:nvPr/>
+        </p:nvCxnSpPr>
+        <p:spPr>
+          <a:xfrm flipH="1">
+            <a:off x="3568500" y="4229319"/>
+            <a:ext cx="282145" cy="115913"/>
+          </a:xfrm>
+          <a:prstGeom prst="straightConnector1">
+            <a:avLst/>
+          </a:prstGeom>
+          <a:ln w="9525" cap="flat" cmpd="sng" algn="ctr">
+            <a:solidFill>
+              <a:schemeClr val="dk1"/>
+            </a:solidFill>
+            <a:prstDash val="solid"/>
+            <a:round/>
+            <a:headEnd type="none" w="med" len="med"/>
+            <a:tailEnd type="arrow" w="med" len="med"/>
+          </a:ln>
+        </p:spPr>
+        <p:style>
+          <a:lnRef idx="0">
+            <a:scrgbClr r="0" g="0" b="0"/>
+          </a:lnRef>
+          <a:fillRef idx="0">
+            <a:scrgbClr r="0" g="0" b="0"/>
+          </a:fillRef>
+          <a:effectRef idx="0">
+            <a:scrgbClr r="0" g="0" b="0"/>
+          </a:effectRef>
+          <a:fontRef idx="minor">
+            <a:schemeClr val="tx1"/>
+          </a:fontRef>
+        </p:style>
+      </p:cxnSp>
+      <p:cxnSp>
+        <p:nvCxnSpPr>
+          <p:cNvPr id="56" name="Rak pilkoppling 55">
+            <a:extLst>
+              <a:ext uri="{FF2B5EF4-FFF2-40B4-BE49-F238E27FC236}">
+                <a16:creationId xmlns:a16="http://schemas.microsoft.com/office/drawing/2014/main" id="{66A05523-D8CC-412B-9403-B98E3AF6FCF5}"/>
+              </a:ext>
+            </a:extLst>
+          </p:cNvPr>
+          <p:cNvCxnSpPr>
+            <a:cxnSpLocks/>
+            <a:stCxn id="21" idx="2"/>
+            <a:endCxn id="28" idx="3"/>
+          </p:cNvCxnSpPr>
+          <p:nvPr/>
+        </p:nvCxnSpPr>
+        <p:spPr>
+          <a:xfrm flipH="1">
+            <a:off x="3478947" y="4593747"/>
+            <a:ext cx="951753" cy="688850"/>
+          </a:xfrm>
+          <a:prstGeom prst="straightConnector1">
+            <a:avLst/>
+          </a:prstGeom>
+          <a:ln w="9525" cap="flat" cmpd="sng" algn="ctr">
+            <a:solidFill>
+              <a:schemeClr val="dk1"/>
+            </a:solidFill>
+            <a:prstDash val="solid"/>
+            <a:round/>
+            <a:headEnd type="none" w="med" len="med"/>
+            <a:tailEnd type="arrow" w="med" len="med"/>
+          </a:ln>
+        </p:spPr>
+        <p:style>
+          <a:lnRef idx="0">
+            <a:scrgbClr r="0" g="0" b="0"/>
+          </a:lnRef>
+          <a:fillRef idx="0">
+            <a:scrgbClr r="0" g="0" b="0"/>
+          </a:fillRef>
+          <a:effectRef idx="0">
+            <a:scrgbClr r="0" g="0" b="0"/>
+          </a:effectRef>
+          <a:fontRef idx="minor">
+            <a:schemeClr val="tx1"/>
+          </a:fontRef>
+        </p:style>
+      </p:cxnSp>
+      <p:cxnSp>
+        <p:nvCxnSpPr>
+          <p:cNvPr id="61" name="Rak pilkoppling 60">
+            <a:extLst>
+              <a:ext uri="{FF2B5EF4-FFF2-40B4-BE49-F238E27FC236}">
+                <a16:creationId xmlns:a16="http://schemas.microsoft.com/office/drawing/2014/main" id="{EF53FA2F-F605-4971-A8E5-117A4901492D}"/>
+              </a:ext>
+            </a:extLst>
+          </p:cNvPr>
+          <p:cNvCxnSpPr>
+            <a:stCxn id="21" idx="2"/>
+            <a:endCxn id="26" idx="1"/>
+          </p:cNvCxnSpPr>
+          <p:nvPr/>
+        </p:nvCxnSpPr>
+        <p:spPr>
+          <a:xfrm>
+            <a:off x="4430700" y="4593747"/>
+            <a:ext cx="1921992" cy="383646"/>
+          </a:xfrm>
+          <a:prstGeom prst="straightConnector1">
+            <a:avLst/>
+          </a:prstGeom>
+          <a:ln w="9525" cap="flat" cmpd="sng" algn="ctr">
+            <a:solidFill>
+              <a:schemeClr val="dk1"/>
+            </a:solidFill>
+            <a:prstDash val="solid"/>
+            <a:round/>
+            <a:headEnd type="none" w="med" len="med"/>
+            <a:tailEnd type="arrow" w="med" len="med"/>
+          </a:ln>
+        </p:spPr>
+        <p:style>
+          <a:lnRef idx="0">
+            <a:scrgbClr r="0" g="0" b="0"/>
+          </a:lnRef>
+          <a:fillRef idx="0">
+            <a:scrgbClr r="0" g="0" b="0"/>
+          </a:fillRef>
+          <a:effectRef idx="0">
+            <a:scrgbClr r="0" g="0" b="0"/>
+          </a:effectRef>
+          <a:fontRef idx="minor">
+            <a:schemeClr val="tx1"/>
+          </a:fontRef>
+        </p:style>
+      </p:cxnSp>
+      <p:cxnSp>
+        <p:nvCxnSpPr>
+          <p:cNvPr id="64" name="Rak pilkoppling 63">
+            <a:extLst>
+              <a:ext uri="{FF2B5EF4-FFF2-40B4-BE49-F238E27FC236}">
+                <a16:creationId xmlns:a16="http://schemas.microsoft.com/office/drawing/2014/main" id="{E088BFAC-275C-4205-B809-E236D2596D2F}"/>
+              </a:ext>
+            </a:extLst>
+          </p:cNvPr>
+          <p:cNvCxnSpPr>
+            <a:stCxn id="26" idx="3"/>
+            <a:endCxn id="43" idx="1"/>
+          </p:cNvCxnSpPr>
+          <p:nvPr/>
+        </p:nvCxnSpPr>
+        <p:spPr>
+          <a:xfrm>
+            <a:off x="7512801" y="4977393"/>
+            <a:ext cx="1611832" cy="427384"/>
+          </a:xfrm>
+          <a:prstGeom prst="straightConnector1">
+            <a:avLst/>
+          </a:prstGeom>
+          <a:ln w="9525" cap="flat" cmpd="sng" algn="ctr">
+            <a:solidFill>
+              <a:schemeClr val="dk1"/>
+            </a:solidFill>
+            <a:prstDash val="solid"/>
+            <a:round/>
+            <a:headEnd type="none" w="med" len="med"/>
+            <a:tailEnd type="arrow" w="med" len="med"/>
+          </a:ln>
+        </p:spPr>
+        <p:style>
+          <a:lnRef idx="0">
+            <a:scrgbClr r="0" g="0" b="0"/>
+          </a:lnRef>
+          <a:fillRef idx="0">
+            <a:scrgbClr r="0" g="0" b="0"/>
+          </a:fillRef>
+          <a:effectRef idx="0">
+            <a:scrgbClr r="0" g="0" b="0"/>
+          </a:effectRef>
+          <a:fontRef idx="minor">
+            <a:schemeClr val="tx1"/>
+          </a:fontRef>
+        </p:style>
+      </p:cxnSp>
+      <p:cxnSp>
+        <p:nvCxnSpPr>
+          <p:cNvPr id="81" name="Rak koppling 80">
+            <a:extLst>
+              <a:ext uri="{FF2B5EF4-FFF2-40B4-BE49-F238E27FC236}">
+                <a16:creationId xmlns:a16="http://schemas.microsoft.com/office/drawing/2014/main" id="{0FD4397A-5D2C-450C-8D60-67AB2AB4B7A1}"/>
+              </a:ext>
+            </a:extLst>
+          </p:cNvPr>
+          <p:cNvCxnSpPr>
+            <a:cxnSpLocks/>
+          </p:cNvCxnSpPr>
+          <p:nvPr/>
+        </p:nvCxnSpPr>
+        <p:spPr>
+          <a:xfrm>
+            <a:off x="8726552" y="170159"/>
+            <a:ext cx="0" cy="2368268"/>
+          </a:xfrm>
+          <a:prstGeom prst="line">
+            <a:avLst/>
+          </a:prstGeom>
+        </p:spPr>
+        <p:style>
+          <a:lnRef idx="1">
+            <a:schemeClr val="accent1"/>
+          </a:lnRef>
+          <a:fillRef idx="0">
+            <a:schemeClr val="accent1"/>
+          </a:fillRef>
+          <a:effectRef idx="0">
+            <a:schemeClr val="accent1"/>
+          </a:effectRef>
+          <a:fontRef idx="minor">
+            <a:schemeClr val="tx1"/>
+          </a:fontRef>
+        </p:style>
+      </p:cxnSp>
+      <p:sp>
+        <p:nvSpPr>
+          <p:cNvPr id="83" name="Rektangel: rundade hörn 82">
+            <a:extLst>
+              <a:ext uri="{FF2B5EF4-FFF2-40B4-BE49-F238E27FC236}">
+                <a16:creationId xmlns:a16="http://schemas.microsoft.com/office/drawing/2014/main" id="{B22DD05A-14B8-4248-BC88-2A95AD08EAEA}"/>
+              </a:ext>
+            </a:extLst>
+          </p:cNvPr>
+          <p:cNvSpPr/>
+          <p:nvPr/>
+        </p:nvSpPr>
+        <p:spPr>
+          <a:xfrm>
+            <a:off x="9124633" y="331304"/>
+            <a:ext cx="2258969" cy="2065065"/>
+          </a:xfrm>
+          <a:prstGeom prst="roundRect">
+            <a:avLst/>
+          </a:prstGeom>
+          <a:solidFill>
+            <a:schemeClr val="bg2"/>
+          </a:solidFill>
+        </p:spPr>
+        <p:style>
+          <a:lnRef idx="2">
+            <a:schemeClr val="accent1">
+              <a:shade val="50000"/>
+            </a:schemeClr>
+          </a:lnRef>
+          <a:fillRef idx="1">
+            <a:schemeClr val="accent1"/>
+          </a:fillRef>
+          <a:effectRef idx="0">
+            <a:schemeClr val="accent1"/>
+          </a:effectRef>
+          <a:fontRef idx="minor">
+            <a:schemeClr val="lt1"/>
+          </a:fontRef>
+        </p:style>
+        <p:txBody>
+          <a:bodyPr rtlCol="0" anchor="ctr"/>
+          <a:lstStyle/>
+          <a:p>
+            <a:pPr algn="ctr"/>
+            <a:endParaRPr lang="sv-SE"/>
+          </a:p>
+        </p:txBody>
+      </p:sp>
+      <p:sp>
+        <p:nvSpPr>
+          <p:cNvPr id="84" name="Rektangel: rundade hörn 83">
+            <a:extLst>
+              <a:ext uri="{FF2B5EF4-FFF2-40B4-BE49-F238E27FC236}">
+                <a16:creationId xmlns:a16="http://schemas.microsoft.com/office/drawing/2014/main" id="{C8602104-EC20-490B-89F4-0A14B6C98C77}"/>
+              </a:ext>
+            </a:extLst>
+          </p:cNvPr>
+          <p:cNvSpPr/>
+          <p:nvPr/>
+        </p:nvSpPr>
+        <p:spPr>
+          <a:xfrm>
+            <a:off x="9678547" y="1120204"/>
+            <a:ext cx="1393433" cy="915589"/>
+          </a:xfrm>
+          <a:prstGeom prst="roundRect">
+            <a:avLst/>
+          </a:prstGeom>
+          <a:solidFill>
+            <a:schemeClr val="accent1">
+              <a:lumMod val="20000"/>
+              <a:lumOff val="80000"/>
+            </a:schemeClr>
+          </a:solidFill>
+        </p:spPr>
+        <p:style>
+          <a:lnRef idx="2">
+            <a:schemeClr val="accent1">
+              <a:shade val="50000"/>
+            </a:schemeClr>
+          </a:lnRef>
+          <a:fillRef idx="1">
+            <a:schemeClr val="accent1"/>
+          </a:fillRef>
+          <a:effectRef idx="0">
+            <a:schemeClr val="accent1"/>
+          </a:effectRef>
+          <a:fontRef idx="minor">
+            <a:schemeClr val="lt1"/>
+          </a:fontRef>
+        </p:style>
+        <p:txBody>
+          <a:bodyPr rtlCol="0" anchor="ctr"/>
+          <a:lstStyle/>
+          <a:p>
+            <a:pPr algn="ctr"/>
+            <a:r>
+              <a:rPr lang="sv-SE" dirty="0" err="1">
+                <a:solidFill>
+                  <a:schemeClr val="tx1"/>
+                </a:solidFill>
+              </a:rPr>
+              <a:t>main</a:t>
+            </a:r>
+            <a:endParaRPr lang="sv-SE" dirty="0">
+              <a:solidFill>
+                <a:schemeClr val="tx1"/>
+              </a:solidFill>
+            </a:endParaRPr>
+          </a:p>
+        </p:txBody>
+      </p:sp>
+      <p:sp>
+        <p:nvSpPr>
+          <p:cNvPr id="85" name="textruta 84">
+            <a:extLst>
+              <a:ext uri="{FF2B5EF4-FFF2-40B4-BE49-F238E27FC236}">
+                <a16:creationId xmlns:a16="http://schemas.microsoft.com/office/drawing/2014/main" id="{163A9893-AB9B-4E99-9FBC-8BB139DF760C}"/>
+              </a:ext>
+            </a:extLst>
+          </p:cNvPr>
+          <p:cNvSpPr txBox="1"/>
+          <p:nvPr/>
+        </p:nvSpPr>
+        <p:spPr>
+          <a:xfrm>
+            <a:off x="9259128" y="469271"/>
+            <a:ext cx="857351" cy="369332"/>
+          </a:xfrm>
+          <a:prstGeom prst="rect">
+            <a:avLst/>
+          </a:prstGeom>
+          <a:noFill/>
+        </p:spPr>
+        <p:txBody>
+          <a:bodyPr wrap="none" rtlCol="0">
+            <a:spAutoFit/>
+          </a:bodyPr>
+          <a:lstStyle/>
+          <a:p>
+            <a:r>
+              <a:rPr lang="sv-SE" dirty="0"/>
+              <a:t>startup</a:t>
+            </a:r>
+          </a:p>
+        </p:txBody>
+      </p:sp>
+      <p:cxnSp>
+        <p:nvCxnSpPr>
+          <p:cNvPr id="87" name="Rak pilkoppling 86">
+            <a:extLst>
+              <a:ext uri="{FF2B5EF4-FFF2-40B4-BE49-F238E27FC236}">
+                <a16:creationId xmlns:a16="http://schemas.microsoft.com/office/drawing/2014/main" id="{3C776D4B-E64D-42F4-8799-F09FBBB56D07}"/>
+              </a:ext>
+            </a:extLst>
+          </p:cNvPr>
+          <p:cNvCxnSpPr>
+            <a:cxnSpLocks/>
+            <a:stCxn id="84" idx="1"/>
+            <a:endCxn id="9" idx="3"/>
+          </p:cNvCxnSpPr>
+          <p:nvPr/>
+        </p:nvCxnSpPr>
+        <p:spPr>
+          <a:xfrm flipH="1" flipV="1">
+            <a:off x="6885181" y="869772"/>
+            <a:ext cx="2793366" cy="708227"/>
+          </a:xfrm>
+          <a:prstGeom prst="straightConnector1">
+            <a:avLst/>
+          </a:prstGeom>
+          <a:ln w="9525" cap="flat" cmpd="sng" algn="ctr">
+            <a:solidFill>
+              <a:schemeClr val="dk1"/>
+            </a:solidFill>
+            <a:prstDash val="solid"/>
+            <a:round/>
+            <a:headEnd type="none" w="med" len="med"/>
+            <a:tailEnd type="arrow" w="med" len="med"/>
+          </a:ln>
+        </p:spPr>
+        <p:style>
+          <a:lnRef idx="0">
+            <a:scrgbClr r="0" g="0" b="0"/>
+          </a:lnRef>
+          <a:fillRef idx="0">
+            <a:scrgbClr r="0" g="0" b="0"/>
+          </a:fillRef>
+          <a:effectRef idx="0">
+            <a:scrgbClr r="0" g="0" b="0"/>
+          </a:effectRef>
+          <a:fontRef idx="minor">
+            <a:schemeClr val="tx1"/>
+          </a:fontRef>
+        </p:style>
+      </p:cxnSp>
+    </p:spTree>
+    <p:extLst>
+      <p:ext uri="{BB962C8B-B14F-4D97-AF65-F5344CB8AC3E}">
+        <p14:creationId xmlns:p14="http://schemas.microsoft.com/office/powerpoint/2010/main" val="659985312"/>
+      </p:ext>
+    </p:extLst>
+  </p:cSld>
+  <p:clrMapOvr>
+    <a:masterClrMapping/>
+  </p:clrMapOvr>
+</p:sld>
+</file>
+
 <file path=ppt/slides/slide3.xml><?xml version="1.0" encoding="utf-8"?>
 <p:sld xmlns:a="http://schemas.openxmlformats.org/drawingml/2006/main" xmlns:r="http://schemas.openxmlformats.org/officeDocument/2006/relationships" xmlns:p="http://schemas.openxmlformats.org/presentationml/2006/main">
   <p:cSld>
